--- a/senti-ppt.pptx
+++ b/senti-ppt.pptx
@@ -4,10 +4,17 @@
   <p:sldMasterIdLst>
     <p:sldMasterId id="2147483672" r:id="rId1"/>
   </p:sldMasterIdLst>
+  <p:notesMasterIdLst>
+    <p:notesMasterId r:id="rId9"/>
+  </p:notesMasterIdLst>
   <p:sldIdLst>
     <p:sldId id="256" r:id="rId2"/>
     <p:sldId id="257" r:id="rId3"/>
     <p:sldId id="258" r:id="rId4"/>
+    <p:sldId id="259" r:id="rId5"/>
+    <p:sldId id="261" r:id="rId6"/>
+    <p:sldId id="260" r:id="rId7"/>
+    <p:sldId id="262" r:id="rId8"/>
   </p:sldIdLst>
   <p:sldSz cx="9144000" cy="6858000" type="screen4x3"/>
   <p:notesSz cx="6858000" cy="9144000"/>
@@ -109,6 +116,437 @@
 </p:presentation>
 </file>
 
+<file path=ppt/notesMasters/notesMaster1.xml><?xml version="1.0" encoding="utf-8"?>
+<p:notesMaster xmlns:a="http://schemas.openxmlformats.org/drawingml/2006/main" xmlns:r="http://schemas.openxmlformats.org/officeDocument/2006/relationships" xmlns:p="http://schemas.openxmlformats.org/presentationml/2006/main">
+  <p:cSld>
+    <p:bg>
+      <p:bgRef idx="1001">
+        <a:schemeClr val="bg1"/>
+      </p:bgRef>
+    </p:bg>
+    <p:spTree>
+      <p:nvGrpSpPr>
+        <p:cNvPr id="1" name=""/>
+        <p:cNvGrpSpPr/>
+        <p:nvPr/>
+      </p:nvGrpSpPr>
+      <p:grpSpPr>
+        <a:xfrm>
+          <a:off x="0" y="0"/>
+          <a:ext cx="0" cy="0"/>
+          <a:chOff x="0" y="0"/>
+          <a:chExt cx="0" cy="0"/>
+        </a:xfrm>
+      </p:grpSpPr>
+      <p:sp>
+        <p:nvSpPr>
+          <p:cNvPr id="2" name="Header Placeholder 1"/>
+          <p:cNvSpPr>
+            <a:spLocks noGrp="1"/>
+          </p:cNvSpPr>
+          <p:nvPr>
+            <p:ph type="hdr" sz="quarter"/>
+          </p:nvPr>
+        </p:nvSpPr>
+        <p:spPr>
+          <a:xfrm>
+            <a:off x="0" y="0"/>
+            <a:ext cx="2971800" cy="457200"/>
+          </a:xfrm>
+          <a:prstGeom prst="rect">
+            <a:avLst/>
+          </a:prstGeom>
+        </p:spPr>
+        <p:txBody>
+          <a:bodyPr vert="horz" lIns="91440" tIns="45720" rIns="91440" bIns="45720" rtlCol="0"/>
+          <a:lstStyle>
+            <a:lvl1pPr algn="l">
+              <a:defRPr sz="1200"/>
+            </a:lvl1pPr>
+          </a:lstStyle>
+          <a:p>
+            <a:endParaRPr lang="en-US"/>
+          </a:p>
+        </p:txBody>
+      </p:sp>
+      <p:sp>
+        <p:nvSpPr>
+          <p:cNvPr id="3" name="Date Placeholder 2"/>
+          <p:cNvSpPr>
+            <a:spLocks noGrp="1"/>
+          </p:cNvSpPr>
+          <p:nvPr>
+            <p:ph type="dt" idx="1"/>
+          </p:nvPr>
+        </p:nvSpPr>
+        <p:spPr>
+          <a:xfrm>
+            <a:off x="3884613" y="0"/>
+            <a:ext cx="2971800" cy="457200"/>
+          </a:xfrm>
+          <a:prstGeom prst="rect">
+            <a:avLst/>
+          </a:prstGeom>
+        </p:spPr>
+        <p:txBody>
+          <a:bodyPr vert="horz" lIns="91440" tIns="45720" rIns="91440" bIns="45720" rtlCol="0"/>
+          <a:lstStyle>
+            <a:lvl1pPr algn="r">
+              <a:defRPr sz="1200"/>
+            </a:lvl1pPr>
+          </a:lstStyle>
+          <a:p>
+            <a:fld id="{5F6C48DD-6802-493D-A470-5445E19159D8}" type="datetimeFigureOut">
+              <a:rPr lang="en-US" smtClean="0"/>
+              <a:pPr/>
+              <a:t>10/21/2025</a:t>
+            </a:fld>
+            <a:endParaRPr lang="en-US"/>
+          </a:p>
+        </p:txBody>
+      </p:sp>
+      <p:sp>
+        <p:nvSpPr>
+          <p:cNvPr id="4" name="Slide Image Placeholder 3"/>
+          <p:cNvSpPr>
+            <a:spLocks noGrp="1" noRot="1" noChangeAspect="1"/>
+          </p:cNvSpPr>
+          <p:nvPr>
+            <p:ph type="sldImg" idx="2"/>
+          </p:nvPr>
+        </p:nvSpPr>
+        <p:spPr>
+          <a:xfrm>
+            <a:off x="1143000" y="685800"/>
+            <a:ext cx="4572000" cy="3429000"/>
+          </a:xfrm>
+          <a:prstGeom prst="rect">
+            <a:avLst/>
+          </a:prstGeom>
+          <a:noFill/>
+          <a:ln w="12700">
+            <a:solidFill>
+              <a:prstClr val="black"/>
+            </a:solidFill>
+          </a:ln>
+        </p:spPr>
+        <p:txBody>
+          <a:bodyPr vert="horz" lIns="91440" tIns="45720" rIns="91440" bIns="45720" rtlCol="0" anchor="ctr"/>
+          <a:lstStyle/>
+          <a:p>
+            <a:endParaRPr lang="en-US"/>
+          </a:p>
+        </p:txBody>
+      </p:sp>
+      <p:sp>
+        <p:nvSpPr>
+          <p:cNvPr id="5" name="Notes Placeholder 4"/>
+          <p:cNvSpPr>
+            <a:spLocks noGrp="1"/>
+          </p:cNvSpPr>
+          <p:nvPr>
+            <p:ph type="body" sz="quarter" idx="3"/>
+          </p:nvPr>
+        </p:nvSpPr>
+        <p:spPr>
+          <a:xfrm>
+            <a:off x="685800" y="4343400"/>
+            <a:ext cx="5486400" cy="4114800"/>
+          </a:xfrm>
+          <a:prstGeom prst="rect">
+            <a:avLst/>
+          </a:prstGeom>
+        </p:spPr>
+        <p:txBody>
+          <a:bodyPr vert="horz" lIns="91440" tIns="45720" rIns="91440" bIns="45720" rtlCol="0">
+            <a:normAutofit/>
+          </a:bodyPr>
+          <a:lstStyle/>
+          <a:p>
+            <a:pPr lvl="0"/>
+            <a:r>
+              <a:rPr lang="en-US" smtClean="0"/>
+              <a:t>Click to edit Master text styles</a:t>
+            </a:r>
+          </a:p>
+          <a:p>
+            <a:pPr lvl="1"/>
+            <a:r>
+              <a:rPr lang="en-US" smtClean="0"/>
+              <a:t>Second level</a:t>
+            </a:r>
+          </a:p>
+          <a:p>
+            <a:pPr lvl="2"/>
+            <a:r>
+              <a:rPr lang="en-US" smtClean="0"/>
+              <a:t>Third level</a:t>
+            </a:r>
+          </a:p>
+          <a:p>
+            <a:pPr lvl="3"/>
+            <a:r>
+              <a:rPr lang="en-US" smtClean="0"/>
+              <a:t>Fourth level</a:t>
+            </a:r>
+          </a:p>
+          <a:p>
+            <a:pPr lvl="4"/>
+            <a:r>
+              <a:rPr lang="en-US" smtClean="0"/>
+              <a:t>Fifth level</a:t>
+            </a:r>
+            <a:endParaRPr lang="en-US"/>
+          </a:p>
+        </p:txBody>
+      </p:sp>
+      <p:sp>
+        <p:nvSpPr>
+          <p:cNvPr id="6" name="Footer Placeholder 5"/>
+          <p:cNvSpPr>
+            <a:spLocks noGrp="1"/>
+          </p:cNvSpPr>
+          <p:nvPr>
+            <p:ph type="ftr" sz="quarter" idx="4"/>
+          </p:nvPr>
+        </p:nvSpPr>
+        <p:spPr>
+          <a:xfrm>
+            <a:off x="0" y="8685213"/>
+            <a:ext cx="2971800" cy="457200"/>
+          </a:xfrm>
+          <a:prstGeom prst="rect">
+            <a:avLst/>
+          </a:prstGeom>
+        </p:spPr>
+        <p:txBody>
+          <a:bodyPr vert="horz" lIns="91440" tIns="45720" rIns="91440" bIns="45720" rtlCol="0" anchor="b"/>
+          <a:lstStyle>
+            <a:lvl1pPr algn="l">
+              <a:defRPr sz="1200"/>
+            </a:lvl1pPr>
+          </a:lstStyle>
+          <a:p>
+            <a:endParaRPr lang="en-US"/>
+          </a:p>
+        </p:txBody>
+      </p:sp>
+      <p:sp>
+        <p:nvSpPr>
+          <p:cNvPr id="7" name="Slide Number Placeholder 6"/>
+          <p:cNvSpPr>
+            <a:spLocks noGrp="1"/>
+          </p:cNvSpPr>
+          <p:nvPr>
+            <p:ph type="sldNum" sz="quarter" idx="5"/>
+          </p:nvPr>
+        </p:nvSpPr>
+        <p:spPr>
+          <a:xfrm>
+            <a:off x="3884613" y="8685213"/>
+            <a:ext cx="2971800" cy="457200"/>
+          </a:xfrm>
+          <a:prstGeom prst="rect">
+            <a:avLst/>
+          </a:prstGeom>
+        </p:spPr>
+        <p:txBody>
+          <a:bodyPr vert="horz" lIns="91440" tIns="45720" rIns="91440" bIns="45720" rtlCol="0" anchor="b"/>
+          <a:lstStyle>
+            <a:lvl1pPr algn="r">
+              <a:defRPr sz="1200"/>
+            </a:lvl1pPr>
+          </a:lstStyle>
+          <a:p>
+            <a:fld id="{F2816ADF-135A-4D92-AA37-597D0B1EEDBF}" type="slidenum">
+              <a:rPr lang="en-US" smtClean="0"/>
+              <a:pPr/>
+              <a:t>‹#›</a:t>
+            </a:fld>
+            <a:endParaRPr lang="en-US"/>
+          </a:p>
+        </p:txBody>
+      </p:sp>
+    </p:spTree>
+  </p:cSld>
+  <p:clrMap bg1="lt1" tx1="dk1" bg2="lt2" tx2="dk2" accent1="accent1" accent2="accent2" accent3="accent3" accent4="accent4" accent5="accent5" accent6="accent6" hlink="hlink" folHlink="folHlink"/>
+  <p:notesStyle>
+    <a:lvl1pPr marL="0" algn="l" defTabSz="914400" rtl="0" eaLnBrk="1" latinLnBrk="0" hangingPunct="1">
+      <a:defRPr sz="1200" kern="1200">
+        <a:solidFill>
+          <a:schemeClr val="tx1"/>
+        </a:solidFill>
+        <a:latin typeface="+mn-lt"/>
+        <a:ea typeface="+mn-ea"/>
+        <a:cs typeface="+mn-cs"/>
+      </a:defRPr>
+    </a:lvl1pPr>
+    <a:lvl2pPr marL="457200" algn="l" defTabSz="914400" rtl="0" eaLnBrk="1" latinLnBrk="0" hangingPunct="1">
+      <a:defRPr sz="1200" kern="1200">
+        <a:solidFill>
+          <a:schemeClr val="tx1"/>
+        </a:solidFill>
+        <a:latin typeface="+mn-lt"/>
+        <a:ea typeface="+mn-ea"/>
+        <a:cs typeface="+mn-cs"/>
+      </a:defRPr>
+    </a:lvl2pPr>
+    <a:lvl3pPr marL="914400" algn="l" defTabSz="914400" rtl="0" eaLnBrk="1" latinLnBrk="0" hangingPunct="1">
+      <a:defRPr sz="1200" kern="1200">
+        <a:solidFill>
+          <a:schemeClr val="tx1"/>
+        </a:solidFill>
+        <a:latin typeface="+mn-lt"/>
+        <a:ea typeface="+mn-ea"/>
+        <a:cs typeface="+mn-cs"/>
+      </a:defRPr>
+    </a:lvl3pPr>
+    <a:lvl4pPr marL="1371600" algn="l" defTabSz="914400" rtl="0" eaLnBrk="1" latinLnBrk="0" hangingPunct="1">
+      <a:defRPr sz="1200" kern="1200">
+        <a:solidFill>
+          <a:schemeClr val="tx1"/>
+        </a:solidFill>
+        <a:latin typeface="+mn-lt"/>
+        <a:ea typeface="+mn-ea"/>
+        <a:cs typeface="+mn-cs"/>
+      </a:defRPr>
+    </a:lvl4pPr>
+    <a:lvl5pPr marL="1828800" algn="l" defTabSz="914400" rtl="0" eaLnBrk="1" latinLnBrk="0" hangingPunct="1">
+      <a:defRPr sz="1200" kern="1200">
+        <a:solidFill>
+          <a:schemeClr val="tx1"/>
+        </a:solidFill>
+        <a:latin typeface="+mn-lt"/>
+        <a:ea typeface="+mn-ea"/>
+        <a:cs typeface="+mn-cs"/>
+      </a:defRPr>
+    </a:lvl5pPr>
+    <a:lvl6pPr marL="2286000" algn="l" defTabSz="914400" rtl="0" eaLnBrk="1" latinLnBrk="0" hangingPunct="1">
+      <a:defRPr sz="1200" kern="1200">
+        <a:solidFill>
+          <a:schemeClr val="tx1"/>
+        </a:solidFill>
+        <a:latin typeface="+mn-lt"/>
+        <a:ea typeface="+mn-ea"/>
+        <a:cs typeface="+mn-cs"/>
+      </a:defRPr>
+    </a:lvl6pPr>
+    <a:lvl7pPr marL="2743200" algn="l" defTabSz="914400" rtl="0" eaLnBrk="1" latinLnBrk="0" hangingPunct="1">
+      <a:defRPr sz="1200" kern="1200">
+        <a:solidFill>
+          <a:schemeClr val="tx1"/>
+        </a:solidFill>
+        <a:latin typeface="+mn-lt"/>
+        <a:ea typeface="+mn-ea"/>
+        <a:cs typeface="+mn-cs"/>
+      </a:defRPr>
+    </a:lvl7pPr>
+    <a:lvl8pPr marL="3200400" algn="l" defTabSz="914400" rtl="0" eaLnBrk="1" latinLnBrk="0" hangingPunct="1">
+      <a:defRPr sz="1200" kern="1200">
+        <a:solidFill>
+          <a:schemeClr val="tx1"/>
+        </a:solidFill>
+        <a:latin typeface="+mn-lt"/>
+        <a:ea typeface="+mn-ea"/>
+        <a:cs typeface="+mn-cs"/>
+      </a:defRPr>
+    </a:lvl8pPr>
+    <a:lvl9pPr marL="3657600" algn="l" defTabSz="914400" rtl="0" eaLnBrk="1" latinLnBrk="0" hangingPunct="1">
+      <a:defRPr sz="1200" kern="1200">
+        <a:solidFill>
+          <a:schemeClr val="tx1"/>
+        </a:solidFill>
+        <a:latin typeface="+mn-lt"/>
+        <a:ea typeface="+mn-ea"/>
+        <a:cs typeface="+mn-cs"/>
+      </a:defRPr>
+    </a:lvl9pPr>
+  </p:notesStyle>
+</p:notesMaster>
+</file>
+
+<file path=ppt/notesSlides/notesSlide1.xml><?xml version="1.0" encoding="utf-8"?>
+<p:notes xmlns:a="http://schemas.openxmlformats.org/drawingml/2006/main" xmlns:r="http://schemas.openxmlformats.org/officeDocument/2006/relationships" xmlns:p="http://schemas.openxmlformats.org/presentationml/2006/main">
+  <p:cSld>
+    <p:spTree>
+      <p:nvGrpSpPr>
+        <p:cNvPr id="1" name=""/>
+        <p:cNvGrpSpPr/>
+        <p:nvPr/>
+      </p:nvGrpSpPr>
+      <p:grpSpPr>
+        <a:xfrm>
+          <a:off x="0" y="0"/>
+          <a:ext cx="0" cy="0"/>
+          <a:chOff x="0" y="0"/>
+          <a:chExt cx="0" cy="0"/>
+        </a:xfrm>
+      </p:grpSpPr>
+      <p:sp>
+        <p:nvSpPr>
+          <p:cNvPr id="2" name="Slide Image Placeholder 1"/>
+          <p:cNvSpPr>
+            <a:spLocks noGrp="1" noRot="1" noChangeAspect="1"/>
+          </p:cNvSpPr>
+          <p:nvPr>
+            <p:ph type="sldImg"/>
+          </p:nvPr>
+        </p:nvSpPr>
+        <p:spPr/>
+      </p:sp>
+      <p:sp>
+        <p:nvSpPr>
+          <p:cNvPr id="3" name="Notes Placeholder 2"/>
+          <p:cNvSpPr>
+            <a:spLocks noGrp="1"/>
+          </p:cNvSpPr>
+          <p:nvPr>
+            <p:ph type="body" idx="1"/>
+          </p:nvPr>
+        </p:nvSpPr>
+        <p:spPr/>
+        <p:txBody>
+          <a:bodyPr>
+            <a:normAutofit/>
+          </a:bodyPr>
+          <a:lstStyle/>
+          <a:p>
+            <a:endParaRPr lang="en-US" dirty="0"/>
+          </a:p>
+        </p:txBody>
+      </p:sp>
+      <p:sp>
+        <p:nvSpPr>
+          <p:cNvPr id="4" name="Slide Number Placeholder 3"/>
+          <p:cNvSpPr>
+            <a:spLocks noGrp="1"/>
+          </p:cNvSpPr>
+          <p:nvPr>
+            <p:ph type="sldNum" sz="quarter" idx="10"/>
+          </p:nvPr>
+        </p:nvSpPr>
+        <p:spPr/>
+        <p:txBody>
+          <a:bodyPr/>
+          <a:lstStyle/>
+          <a:p>
+            <a:fld id="{F2816ADF-135A-4D92-AA37-597D0B1EEDBF}" type="slidenum">
+              <a:rPr lang="en-US" smtClean="0"/>
+              <a:pPr/>
+              <a:t>3</a:t>
+            </a:fld>
+            <a:endParaRPr lang="en-US"/>
+          </a:p>
+        </p:txBody>
+      </p:sp>
+    </p:spTree>
+  </p:cSld>
+  <p:clrMapOvr>
+    <a:masterClrMapping/>
+  </p:clrMapOvr>
+</p:notes>
+</file>
+
 <file path=ppt/slideLayouts/slideLayout1.xml><?xml version="1.0" encoding="utf-8"?>
 <p:sldLayout xmlns:a="http://schemas.openxmlformats.org/drawingml/2006/main" xmlns:r="http://schemas.openxmlformats.org/officeDocument/2006/relationships" xmlns:p="http://schemas.openxmlformats.org/presentationml/2006/main" type="title" preserve="1">
   <p:cSld name="Title Slide">
@@ -243,7 +681,8 @@
           <a:p>
             <a:fld id="{F677CB1A-5D5E-4014-B936-2D8F638D86E1}" type="datetimeFigureOut">
               <a:rPr lang="en-US" smtClean="0"/>
-              <a:t>10/18/2025</a:t>
+              <a:pPr/>
+              <a:t>10/21/2025</a:t>
             </a:fld>
             <a:endParaRPr lang="en-US"/>
           </a:p>
@@ -289,6 +728,7 @@
           <a:p>
             <a:fld id="{75A792E3-250A-43A3-A0D0-2F800FEC98A8}" type="slidenum">
               <a:rPr lang="en-US" smtClean="0"/>
+              <a:pPr/>
               <a:t>‹#›</a:t>
             </a:fld>
             <a:endParaRPr lang="en-US"/>
@@ -556,7 +996,8 @@
           <a:p>
             <a:fld id="{F677CB1A-5D5E-4014-B936-2D8F638D86E1}" type="datetimeFigureOut">
               <a:rPr lang="en-US" smtClean="0"/>
-              <a:t>10/18/2025</a:t>
+              <a:pPr/>
+              <a:t>10/21/2025</a:t>
             </a:fld>
             <a:endParaRPr lang="en-US"/>
           </a:p>
@@ -602,6 +1043,7 @@
           <a:p>
             <a:fld id="{75A792E3-250A-43A3-A0D0-2F800FEC98A8}" type="slidenum">
               <a:rPr lang="en-US" smtClean="0"/>
+              <a:pPr/>
               <a:t>‹#›</a:t>
             </a:fld>
             <a:endParaRPr lang="en-US"/>
@@ -741,7 +1183,8 @@
           <a:p>
             <a:fld id="{F677CB1A-5D5E-4014-B936-2D8F638D86E1}" type="datetimeFigureOut">
               <a:rPr lang="en-US" smtClean="0"/>
-              <a:t>10/18/2025</a:t>
+              <a:pPr/>
+              <a:t>10/21/2025</a:t>
             </a:fld>
             <a:endParaRPr lang="en-US"/>
           </a:p>
@@ -787,6 +1230,7 @@
           <a:p>
             <a:fld id="{75A792E3-250A-43A3-A0D0-2F800FEC98A8}" type="slidenum">
               <a:rPr lang="en-US" smtClean="0"/>
+              <a:pPr/>
               <a:t>‹#›</a:t>
             </a:fld>
             <a:endParaRPr lang="en-US"/>
@@ -916,7 +1360,8 @@
           <a:p>
             <a:fld id="{F677CB1A-5D5E-4014-B936-2D8F638D86E1}" type="datetimeFigureOut">
               <a:rPr lang="en-US" smtClean="0"/>
-              <a:t>10/18/2025</a:t>
+              <a:pPr/>
+              <a:t>10/21/2025</a:t>
             </a:fld>
             <a:endParaRPr lang="en-US"/>
           </a:p>
@@ -962,6 +1407,7 @@
           <a:p>
             <a:fld id="{75A792E3-250A-43A3-A0D0-2F800FEC98A8}" type="slidenum">
               <a:rPr lang="en-US" smtClean="0"/>
+              <a:pPr/>
               <a:t>‹#›</a:t>
             </a:fld>
             <a:endParaRPr lang="en-US"/>
@@ -1184,7 +1630,8 @@
           <a:p>
             <a:fld id="{F677CB1A-5D5E-4014-B936-2D8F638D86E1}" type="datetimeFigureOut">
               <a:rPr lang="en-US" smtClean="0"/>
-              <a:t>10/18/2025</a:t>
+              <a:pPr/>
+              <a:t>10/21/2025</a:t>
             </a:fld>
             <a:endParaRPr lang="en-US"/>
           </a:p>
@@ -1230,6 +1677,7 @@
           <a:p>
             <a:fld id="{75A792E3-250A-43A3-A0D0-2F800FEC98A8}" type="slidenum">
               <a:rPr lang="en-US" smtClean="0"/>
+              <a:pPr/>
               <a:t>‹#›</a:t>
             </a:fld>
             <a:endParaRPr lang="en-US"/>
@@ -1652,7 +2100,8 @@
           <a:p>
             <a:fld id="{F677CB1A-5D5E-4014-B936-2D8F638D86E1}" type="datetimeFigureOut">
               <a:rPr lang="en-US" smtClean="0"/>
-              <a:t>10/18/2025</a:t>
+              <a:pPr/>
+              <a:t>10/21/2025</a:t>
             </a:fld>
             <a:endParaRPr lang="en-US"/>
           </a:p>
@@ -1698,6 +2147,7 @@
           <a:p>
             <a:fld id="{75A792E3-250A-43A3-A0D0-2F800FEC98A8}" type="slidenum">
               <a:rPr lang="en-US" smtClean="0"/>
+              <a:pPr/>
               <a:t>‹#›</a:t>
             </a:fld>
             <a:endParaRPr lang="en-US"/>
@@ -2141,7 +2591,8 @@
           <a:p>
             <a:fld id="{F677CB1A-5D5E-4014-B936-2D8F638D86E1}" type="datetimeFigureOut">
               <a:rPr lang="en-US" smtClean="0"/>
-              <a:t>10/18/2025</a:t>
+              <a:pPr/>
+              <a:t>10/21/2025</a:t>
             </a:fld>
             <a:endParaRPr lang="en-US"/>
           </a:p>
@@ -2187,6 +2638,7 @@
           <a:p>
             <a:fld id="{75A792E3-250A-43A3-A0D0-2F800FEC98A8}" type="slidenum">
               <a:rPr lang="en-US" smtClean="0"/>
+              <a:pPr/>
               <a:t>‹#›</a:t>
             </a:fld>
             <a:endParaRPr lang="en-US"/>
@@ -2267,7 +2719,8 @@
           <a:p>
             <a:fld id="{F677CB1A-5D5E-4014-B936-2D8F638D86E1}" type="datetimeFigureOut">
               <a:rPr lang="en-US" smtClean="0"/>
-              <a:t>10/18/2025</a:t>
+              <a:pPr/>
+              <a:t>10/21/2025</a:t>
             </a:fld>
             <a:endParaRPr lang="en-US"/>
           </a:p>
@@ -2313,6 +2766,7 @@
           <a:p>
             <a:fld id="{75A792E3-250A-43A3-A0D0-2F800FEC98A8}" type="slidenum">
               <a:rPr lang="en-US" smtClean="0"/>
+              <a:pPr/>
               <a:t>‹#›</a:t>
             </a:fld>
             <a:endParaRPr lang="en-US"/>
@@ -2411,7 +2865,8 @@
           <a:p>
             <a:fld id="{F677CB1A-5D5E-4014-B936-2D8F638D86E1}" type="datetimeFigureOut">
               <a:rPr lang="en-US" smtClean="0"/>
-              <a:t>10/18/2025</a:t>
+              <a:pPr/>
+              <a:t>10/21/2025</a:t>
             </a:fld>
             <a:endParaRPr lang="en-US"/>
           </a:p>
@@ -2457,6 +2912,7 @@
           <a:p>
             <a:fld id="{75A792E3-250A-43A3-A0D0-2F800FEC98A8}" type="slidenum">
               <a:rPr lang="en-US" smtClean="0"/>
+              <a:pPr/>
               <a:t>‹#›</a:t>
             </a:fld>
             <a:endParaRPr lang="en-US"/>
@@ -2733,7 +3189,8 @@
           <a:p>
             <a:fld id="{F677CB1A-5D5E-4014-B936-2D8F638D86E1}" type="datetimeFigureOut">
               <a:rPr lang="en-US" smtClean="0"/>
-              <a:t>10/18/2025</a:t>
+              <a:pPr/>
+              <a:t>10/21/2025</a:t>
             </a:fld>
             <a:endParaRPr lang="en-US"/>
           </a:p>
@@ -2779,6 +3236,7 @@
           <a:p>
             <a:fld id="{75A792E3-250A-43A3-A0D0-2F800FEC98A8}" type="slidenum">
               <a:rPr lang="en-US" smtClean="0"/>
+              <a:pPr/>
               <a:t>‹#›</a:t>
             </a:fld>
             <a:endParaRPr lang="en-US"/>
@@ -2867,7 +3325,8 @@
           <a:p>
             <a:fld id="{F677CB1A-5D5E-4014-B936-2D8F638D86E1}" type="datetimeFigureOut">
               <a:rPr lang="en-US" smtClean="0"/>
-              <a:t>10/18/2025</a:t>
+              <a:pPr/>
+              <a:t>10/21/2025</a:t>
             </a:fld>
             <a:endParaRPr lang="en-US"/>
           </a:p>
@@ -2913,6 +3372,7 @@
           <a:p>
             <a:fld id="{75A792E3-250A-43A3-A0D0-2F800FEC98A8}" type="slidenum">
               <a:rPr lang="en-US" smtClean="0"/>
+              <a:pPr/>
               <a:t>‹#›</a:t>
             </a:fld>
             <a:endParaRPr lang="en-US"/>
@@ -3648,7 +4108,8 @@
           <a:p>
             <a:fld id="{F677CB1A-5D5E-4014-B936-2D8F638D86E1}" type="datetimeFigureOut">
               <a:rPr lang="en-US" smtClean="0"/>
-              <a:t>10/18/2025</a:t>
+              <a:pPr/>
+              <a:t>10/21/2025</a:t>
             </a:fld>
             <a:endParaRPr lang="en-US"/>
           </a:p>
@@ -3732,6 +4193,7 @@
           <a:p>
             <a:fld id="{75A792E3-250A-43A3-A0D0-2F800FEC98A8}" type="slidenum">
               <a:rPr lang="en-US" smtClean="0"/>
+              <a:pPr/>
               <a:t>‹#›</a:t>
             </a:fld>
             <a:endParaRPr lang="en-US"/>
@@ -4180,6 +4642,7 @@
                 <a:solidFill>
                   <a:schemeClr val="tx1"/>
                 </a:solidFill>
+                <a:latin typeface="Bahnschrift" pitchFamily="34" charset="0"/>
               </a:rPr>
               <a:t>Basic Details of the team and Problem Statement</a:t>
             </a:r>
@@ -4191,6 +4654,7 @@
                 <a:solidFill>
                   <a:schemeClr val="tx1"/>
                 </a:solidFill>
+                <a:latin typeface="Bahnschrift" pitchFamily="34" charset="0"/>
               </a:rPr>
               <a:t>Cybersecurity</a:t>
             </a:r>
@@ -4199,6 +4663,7 @@
                 <a:solidFill>
                   <a:schemeClr val="tx1"/>
                 </a:solidFill>
+                <a:latin typeface="Bahnschrift" pitchFamily="34" charset="0"/>
               </a:rPr>
               <a:t> awareness and protection for SMEs</a:t>
             </a:r>
@@ -4210,6 +4675,7 @@
                 <a:solidFill>
                   <a:schemeClr val="tx1"/>
                 </a:solidFill>
+                <a:latin typeface="Bahnschrift" pitchFamily="34" charset="0"/>
               </a:rPr>
               <a:t>Team Name: Falcon 4.0</a:t>
             </a:r>
@@ -4221,6 +4687,7 @@
                 <a:solidFill>
                   <a:schemeClr val="tx1"/>
                 </a:solidFill>
+                <a:latin typeface="Bahnschrift" pitchFamily="34" charset="0"/>
               </a:rPr>
               <a:t>Team Leader: </a:t>
             </a:r>
@@ -4229,6 +4696,7 @@
                 <a:solidFill>
                   <a:schemeClr val="tx1"/>
                 </a:solidFill>
+                <a:latin typeface="Bahnschrift" pitchFamily="34" charset="0"/>
               </a:rPr>
               <a:t>Roonaak</a:t>
             </a:r>
@@ -4237,6 +4705,7 @@
                 <a:solidFill>
                   <a:schemeClr val="tx1"/>
                 </a:solidFill>
+                <a:latin typeface="Bahnschrift" pitchFamily="34" charset="0"/>
               </a:rPr>
               <a:t> </a:t>
             </a:r>
@@ -4245,6 +4714,7 @@
                 <a:solidFill>
                   <a:schemeClr val="tx1"/>
                 </a:solidFill>
+                <a:latin typeface="Bahnschrift" pitchFamily="34" charset="0"/>
               </a:rPr>
               <a:t>Agasti</a:t>
             </a:r>
@@ -4252,6 +4722,7 @@
               <a:solidFill>
                 <a:schemeClr val="tx1"/>
               </a:solidFill>
+              <a:latin typeface="Bahnschrift" pitchFamily="34" charset="0"/>
             </a:endParaRPr>
           </a:p>
           <a:p>
@@ -4261,6 +4732,7 @@
                 <a:solidFill>
                   <a:schemeClr val="tx1"/>
                 </a:solidFill>
+                <a:latin typeface="Bahnschrift" pitchFamily="34" charset="0"/>
               </a:rPr>
               <a:t>Theme: </a:t>
             </a:r>
@@ -4269,6 +4741,7 @@
                 <a:solidFill>
                   <a:schemeClr val="tx1"/>
                 </a:solidFill>
+                <a:latin typeface="Bahnschrift" pitchFamily="34" charset="0"/>
               </a:rPr>
               <a:t>Cybersecurity</a:t>
             </a:r>
@@ -4277,6 +4750,7 @@
                 <a:solidFill>
                   <a:schemeClr val="tx1"/>
                 </a:solidFill>
+                <a:latin typeface="Bahnschrift" pitchFamily="34" charset="0"/>
               </a:rPr>
               <a:t> &amp; Digital Safety</a:t>
             </a:r>
@@ -4381,196 +4855,264 @@
           <a:lstStyle/>
           <a:p>
             <a:r>
-              <a:rPr lang="en-US" dirty="0" smtClean="0"/>
-              <a:t>Team Leader Name: </a:t>
-            </a:r>
-            <a:r>
-              <a:rPr lang="en-US" dirty="0" err="1" smtClean="0"/>
+              <a:rPr lang="en-US" dirty="0" smtClean="0">
+                <a:latin typeface="Bahnschrift" pitchFamily="34" charset="0"/>
+              </a:rPr>
+              <a:t>Team Leader : </a:t>
+            </a:r>
+            <a:r>
+              <a:rPr lang="en-US" dirty="0" err="1" smtClean="0">
+                <a:latin typeface="Bahnschrift" pitchFamily="34" charset="0"/>
+              </a:rPr>
               <a:t>Roonaak</a:t>
             </a:r>
             <a:r>
-              <a:rPr lang="en-US" dirty="0" smtClean="0"/>
+              <a:rPr lang="en-US" dirty="0" smtClean="0">
+                <a:latin typeface="Bahnschrift" pitchFamily="34" charset="0"/>
+              </a:rPr>
               <a:t> </a:t>
             </a:r>
             <a:r>
-              <a:rPr lang="en-US" dirty="0" err="1" smtClean="0"/>
+              <a:rPr lang="en-US" dirty="0" err="1" smtClean="0">
+                <a:latin typeface="Bahnschrift" pitchFamily="34" charset="0"/>
+              </a:rPr>
               <a:t>Agasti</a:t>
             </a:r>
             <a:r>
-              <a:rPr lang="en-US" dirty="0" smtClean="0"/>
+              <a:rPr lang="en-US" dirty="0" smtClean="0">
+                <a:latin typeface="Bahnschrift" pitchFamily="34" charset="0"/>
+              </a:rPr>
               <a:t/>
             </a:r>
             <a:br>
-              <a:rPr lang="en-US" dirty="0" smtClean="0"/>
+              <a:rPr lang="en-US" dirty="0" smtClean="0">
+                <a:latin typeface="Bahnschrift" pitchFamily="34" charset="0"/>
+              </a:rPr>
             </a:br>
             <a:r>
-              <a:rPr lang="en-US" dirty="0" smtClean="0"/>
-              <a:t>Branch – </a:t>
-            </a:r>
-            <a:r>
-              <a:rPr lang="en-US" dirty="0" err="1" smtClean="0"/>
-              <a:t>B.Tech</a:t>
-            </a:r>
-            <a:r>
-              <a:rPr lang="en-US" dirty="0" smtClean="0"/>
-              <a:t>		Year III</a:t>
-            </a:r>
-          </a:p>
-          <a:p>
-            <a:r>
-              <a:rPr lang="en-US" dirty="0" smtClean="0"/>
+              <a:rPr lang="en-US" dirty="0" smtClean="0">
+                <a:latin typeface="Bahnschrift" pitchFamily="34" charset="0"/>
+              </a:rPr>
+              <a:t>Branch – C.S.E		Year 3rd</a:t>
+            </a:r>
+          </a:p>
+          <a:p>
+            <a:r>
+              <a:rPr lang="en-US" dirty="0" smtClean="0">
+                <a:latin typeface="Bahnschrift" pitchFamily="34" charset="0"/>
+              </a:rPr>
               <a:t>Team Member 1: </a:t>
             </a:r>
             <a:r>
-              <a:rPr lang="en-US" dirty="0" err="1" smtClean="0"/>
+              <a:rPr lang="en-US" dirty="0" err="1" smtClean="0">
+                <a:latin typeface="Bahnschrift" pitchFamily="34" charset="0"/>
+              </a:rPr>
               <a:t>Nishanta</a:t>
             </a:r>
             <a:r>
-              <a:rPr lang="en-US" dirty="0" smtClean="0"/>
+              <a:rPr lang="en-US" dirty="0" smtClean="0">
+                <a:latin typeface="Bahnschrift" pitchFamily="34" charset="0"/>
+              </a:rPr>
               <a:t> Kumar Das</a:t>
             </a:r>
             <a:r>
-              <a:rPr lang="en-US" dirty="0"/>
+              <a:rPr lang="en-US" dirty="0">
+                <a:latin typeface="Bahnschrift" pitchFamily="34" charset="0"/>
+              </a:rPr>
               <a:t/>
             </a:r>
             <a:br>
-              <a:rPr lang="en-US" dirty="0"/>
+              <a:rPr lang="en-US" dirty="0">
+                <a:latin typeface="Bahnschrift" pitchFamily="34" charset="0"/>
+              </a:rPr>
             </a:br>
             <a:r>
-              <a:rPr lang="en-US" dirty="0" smtClean="0"/>
-              <a:t>Branch – </a:t>
-            </a:r>
-            <a:r>
-              <a:rPr lang="en-US" dirty="0" err="1" smtClean="0"/>
-              <a:t>B.Tech</a:t>
-            </a:r>
-            <a:r>
-              <a:rPr lang="en-US" dirty="0" smtClean="0"/>
-              <a:t>		Year III</a:t>
-            </a:r>
-          </a:p>
-          <a:p>
-            <a:r>
-              <a:rPr lang="en-US" dirty="0" smtClean="0"/>
+              <a:rPr lang="en-US" dirty="0" smtClean="0">
+                <a:latin typeface="Bahnschrift" pitchFamily="34" charset="0"/>
+              </a:rPr>
+              <a:t>Branch – C.S.E		Year 3rd</a:t>
+            </a:r>
+          </a:p>
+          <a:p>
+            <a:r>
+              <a:rPr lang="en-US" dirty="0" smtClean="0">
+                <a:latin typeface="Bahnschrift" pitchFamily="34" charset="0"/>
+              </a:rPr>
               <a:t>Team Member 2: Shubhankar Dikshit</a:t>
             </a:r>
             <a:r>
-              <a:rPr lang="en-US" dirty="0"/>
+              <a:rPr lang="en-US" dirty="0">
+                <a:latin typeface="Bahnschrift" pitchFamily="34" charset="0"/>
+              </a:rPr>
               <a:t/>
             </a:r>
             <a:br>
-              <a:rPr lang="en-US" dirty="0"/>
+              <a:rPr lang="en-US" dirty="0">
+                <a:latin typeface="Bahnschrift" pitchFamily="34" charset="0"/>
+              </a:rPr>
             </a:br>
             <a:r>
-              <a:rPr lang="en-US" dirty="0" smtClean="0"/>
-              <a:t>Branch – </a:t>
-            </a:r>
-            <a:r>
-              <a:rPr lang="en-US" dirty="0" err="1" smtClean="0"/>
-              <a:t>B.Tech</a:t>
-            </a:r>
-            <a:r>
-              <a:rPr lang="en-US" dirty="0" smtClean="0"/>
-              <a:t>		Year III</a:t>
-            </a:r>
-          </a:p>
-          <a:p>
-            <a:r>
-              <a:rPr lang="en-US" dirty="0" smtClean="0"/>
+              <a:rPr lang="en-US" dirty="0" smtClean="0">
+                <a:latin typeface="Bahnschrift" pitchFamily="34" charset="0"/>
+              </a:rPr>
+              <a:t>Branch – C.S.E		Year 3rd</a:t>
+            </a:r>
+          </a:p>
+          <a:p>
+            <a:r>
+              <a:rPr lang="en-US" dirty="0" smtClean="0">
+                <a:latin typeface="Bahnschrift" pitchFamily="34" charset="0"/>
+              </a:rPr>
               <a:t>Team Member 3: Sanjay Kumar </a:t>
             </a:r>
             <a:r>
-              <a:rPr lang="en-US" dirty="0" err="1" smtClean="0"/>
+              <a:rPr lang="en-US" dirty="0" err="1" smtClean="0">
+                <a:latin typeface="Bahnschrift" pitchFamily="34" charset="0"/>
+              </a:rPr>
               <a:t>Biswal</a:t>
             </a:r>
             <a:r>
-              <a:rPr lang="en-US" dirty="0" smtClean="0"/>
+              <a:rPr lang="en-US" dirty="0" smtClean="0">
+                <a:latin typeface="Bahnschrift" pitchFamily="34" charset="0"/>
+              </a:rPr>
               <a:t/>
             </a:r>
             <a:br>
-              <a:rPr lang="en-US" dirty="0" smtClean="0"/>
+              <a:rPr lang="en-US" dirty="0" smtClean="0">
+                <a:latin typeface="Bahnschrift" pitchFamily="34" charset="0"/>
+              </a:rPr>
             </a:br>
             <a:r>
-              <a:rPr lang="en-US" dirty="0" smtClean="0"/>
-              <a:t>Branch – </a:t>
-            </a:r>
-            <a:r>
-              <a:rPr lang="en-US" dirty="0" err="1" smtClean="0"/>
-              <a:t>B.Tech</a:t>
-            </a:r>
-            <a:r>
-              <a:rPr lang="en-US" dirty="0" smtClean="0"/>
-              <a:t>		Year III</a:t>
-            </a:r>
-          </a:p>
-          <a:p>
-            <a:r>
-              <a:rPr lang="en-US" dirty="0" smtClean="0"/>
+              <a:rPr lang="en-US" dirty="0" smtClean="0">
+                <a:latin typeface="Bahnschrift" pitchFamily="34" charset="0"/>
+              </a:rPr>
+              <a:t>Branch – C.S.E		Year 3rd</a:t>
+            </a:r>
+          </a:p>
+          <a:p>
+            <a:r>
+              <a:rPr lang="en-US" dirty="0" smtClean="0">
+                <a:latin typeface="Bahnschrift" pitchFamily="34" charset="0"/>
+              </a:rPr>
               <a:t>Team Member 4: </a:t>
             </a:r>
             <a:r>
-              <a:rPr lang="en-US" dirty="0" err="1" smtClean="0"/>
+              <a:rPr lang="en-US" dirty="0" err="1" smtClean="0">
+                <a:latin typeface="Bahnschrift" pitchFamily="34" charset="0"/>
+              </a:rPr>
               <a:t>Sabyasachi</a:t>
             </a:r>
             <a:r>
-              <a:rPr lang="en-US" dirty="0" smtClean="0"/>
+              <a:rPr lang="en-US" dirty="0" smtClean="0">
+                <a:latin typeface="Bahnschrift" pitchFamily="34" charset="0"/>
+              </a:rPr>
               <a:t> </a:t>
             </a:r>
             <a:r>
-              <a:rPr lang="en-US" dirty="0" err="1" smtClean="0"/>
+              <a:rPr lang="en-US" dirty="0" err="1" smtClean="0">
+                <a:latin typeface="Bahnschrift" pitchFamily="34" charset="0"/>
+              </a:rPr>
               <a:t>Kundoo</a:t>
             </a:r>
             <a:r>
-              <a:rPr lang="en-US" dirty="0" smtClean="0"/>
+              <a:rPr lang="en-US" dirty="0" smtClean="0">
+                <a:latin typeface="Bahnschrift" pitchFamily="34" charset="0"/>
+              </a:rPr>
               <a:t/>
             </a:r>
             <a:br>
-              <a:rPr lang="en-US" dirty="0" smtClean="0"/>
+              <a:rPr lang="en-US" dirty="0" smtClean="0">
+                <a:latin typeface="Bahnschrift" pitchFamily="34" charset="0"/>
+              </a:rPr>
             </a:br>
             <a:r>
-              <a:rPr lang="en-US" dirty="0" smtClean="0"/>
-              <a:t>Branch – </a:t>
-            </a:r>
-            <a:r>
-              <a:rPr lang="en-US" dirty="0" err="1" smtClean="0"/>
-              <a:t>B.Tech</a:t>
-            </a:r>
-            <a:r>
-              <a:rPr lang="en-US" dirty="0" smtClean="0"/>
-              <a:t>		Year III</a:t>
-            </a:r>
-          </a:p>
-          <a:p>
-            <a:r>
-              <a:rPr lang="en-US" dirty="0" smtClean="0"/>
+              <a:rPr lang="en-US" dirty="0" smtClean="0">
+                <a:latin typeface="Bahnschrift" pitchFamily="34" charset="0"/>
+              </a:rPr>
+              <a:t>Branch – C.S.E		Year 3rd</a:t>
+            </a:r>
+          </a:p>
+          <a:p>
+            <a:r>
+              <a:rPr lang="en-US" dirty="0" smtClean="0">
+                <a:latin typeface="Bahnschrift" pitchFamily="34" charset="0"/>
+              </a:rPr>
               <a:t>Team Member 5: </a:t>
             </a:r>
             <a:r>
-              <a:rPr lang="en-US" dirty="0" err="1" smtClean="0"/>
+              <a:rPr lang="en-US" dirty="0" err="1" smtClean="0">
+                <a:latin typeface="Bahnschrift" pitchFamily="34" charset="0"/>
+              </a:rPr>
               <a:t>Jyoti</a:t>
             </a:r>
             <a:r>
-              <a:rPr lang="en-US" dirty="0" smtClean="0"/>
+              <a:rPr lang="en-US" dirty="0" smtClean="0">
+                <a:latin typeface="Bahnschrift" pitchFamily="34" charset="0"/>
+              </a:rPr>
+              <a:t> </a:t>
+            </a:r>
+            <a:r>
+              <a:rPr lang="en-US" dirty="0" err="1" smtClean="0">
+                <a:latin typeface="Bahnschrift" pitchFamily="34" charset="0"/>
+              </a:rPr>
+              <a:t>Prakash</a:t>
+            </a:r>
+            <a:r>
+              <a:rPr lang="en-US" dirty="0" smtClean="0">
+                <a:latin typeface="Bahnschrift" pitchFamily="34" charset="0"/>
+              </a:rPr>
+              <a:t> </a:t>
+            </a:r>
+            <a:r>
+              <a:rPr lang="en-US" dirty="0" err="1" smtClean="0">
+                <a:latin typeface="Bahnschrift" pitchFamily="34" charset="0"/>
+              </a:rPr>
+              <a:t>Mallik</a:t>
+            </a:r>
+            <a:r>
+              <a:rPr lang="en-US" dirty="0" smtClean="0">
+                <a:latin typeface="Bahnschrift" pitchFamily="34" charset="0"/>
+              </a:rPr>
               <a:t/>
             </a:r>
             <a:br>
-              <a:rPr lang="en-US" dirty="0" smtClean="0"/>
+              <a:rPr lang="en-US" dirty="0" smtClean="0">
+                <a:latin typeface="Bahnschrift" pitchFamily="34" charset="0"/>
+              </a:rPr>
             </a:br>
             <a:r>
-              <a:rPr lang="en-US" dirty="0" smtClean="0"/>
-              <a:t>Branch – </a:t>
-            </a:r>
-            <a:r>
-              <a:rPr lang="en-US" dirty="0" err="1" smtClean="0"/>
-              <a:t>B.Tech</a:t>
-            </a:r>
-            <a:r>
-              <a:rPr lang="en-US" dirty="0" smtClean="0"/>
-              <a:t>		Year III</a:t>
-            </a:r>
-          </a:p>
-        </p:txBody>
-      </p:sp>
+              <a:rPr lang="en-US" dirty="0" smtClean="0">
+                <a:latin typeface="Bahnschrift" pitchFamily="34" charset="0"/>
+              </a:rPr>
+              <a:t>Branch – C.S.E		Year 3rd</a:t>
+            </a:r>
+          </a:p>
+        </p:txBody>
+      </p:sp>
+      <p:pic>
+        <p:nvPicPr>
+          <p:cNvPr id="4" name="Picture 3" descr="hackathon-logo-CrEe6TN6.png"/>
+          <p:cNvPicPr>
+            <a:picLocks noChangeAspect="1"/>
+          </p:cNvPicPr>
+          <p:nvPr/>
+        </p:nvPicPr>
+        <p:blipFill>
+          <a:blip r:embed="rId2" cstate="print"/>
+          <a:stretch>
+            <a:fillRect/>
+          </a:stretch>
+        </p:blipFill>
+        <p:spPr>
+          <a:xfrm>
+            <a:off x="7200000" y="5940001"/>
+            <a:ext cx="1800000" cy="745421"/>
+          </a:xfrm>
+          <a:prstGeom prst="rect">
+            <a:avLst/>
+          </a:prstGeom>
+        </p:spPr>
+      </p:pic>
     </p:spTree>
   </p:cSld>
   <p:clrMapOvr>
@@ -4611,8 +5153,8 @@
         </p:nvSpPr>
         <p:spPr>
           <a:xfrm>
-            <a:off x="5076056" y="3933056"/>
-            <a:ext cx="3888432" cy="2304256"/>
+            <a:off x="5004048" y="3717032"/>
+            <a:ext cx="3960440" cy="2232248"/>
           </a:xfrm>
           <a:prstGeom prst="rect">
             <a:avLst/>
@@ -4679,7 +5221,7 @@
         <p:spPr>
           <a:xfrm>
             <a:off x="1187624" y="1412776"/>
-            <a:ext cx="3816424" cy="4464496"/>
+            <a:ext cx="3816424" cy="4896544"/>
           </a:xfrm>
         </p:spPr>
         <p:txBody>
@@ -4693,28 +5235,34 @@
               <a:buChar char="Ø"/>
             </a:pPr>
             <a:r>
-              <a:rPr lang="en-US" sz="1350" dirty="0" smtClean="0"/>
+              <a:rPr lang="en-US" sz="1280" dirty="0" smtClean="0">
+                <a:latin typeface="Bahnschrift" pitchFamily="34" charset="0"/>
+              </a:rPr>
               <a:t>SMEs and MSMEs are increasingly vulnerable to phishing, </a:t>
             </a:r>
             <a:r>
-              <a:rPr lang="en-US" sz="1350" dirty="0" err="1" smtClean="0"/>
+              <a:rPr lang="en-US" sz="1280" dirty="0" err="1" smtClean="0">
+                <a:latin typeface="Bahnschrift" pitchFamily="34" charset="0"/>
+              </a:rPr>
               <a:t>deepfake</a:t>
             </a:r>
             <a:r>
-              <a:rPr lang="en-US" sz="1350" dirty="0" smtClean="0"/>
+              <a:rPr lang="en-US" sz="1280" dirty="0" smtClean="0">
+                <a:latin typeface="Bahnschrift" pitchFamily="34" charset="0"/>
+              </a:rPr>
               <a:t>, and malicious URL scams due to limited </a:t>
             </a:r>
             <a:r>
-              <a:rPr lang="en-US" sz="1350" dirty="0" err="1" smtClean="0"/>
+              <a:rPr lang="en-US" sz="1280" dirty="0" err="1" smtClean="0">
+                <a:latin typeface="Bahnschrift" pitchFamily="34" charset="0"/>
+              </a:rPr>
               <a:t>cybersecurity</a:t>
             </a:r>
             <a:r>
-              <a:rPr lang="en-US" sz="1350" dirty="0" smtClean="0"/>
-              <a:t> infrastructure and awareness</a:t>
-            </a:r>
-            <a:r>
-              <a:rPr lang="en-US" sz="1350" dirty="0" smtClean="0"/>
-              <a:t>.</a:t>
+              <a:rPr lang="en-US" sz="1280" dirty="0" smtClean="0">
+                <a:latin typeface="Bahnschrift" pitchFamily="34" charset="0"/>
+              </a:rPr>
+              <a:t> infrastructure and awareness.</a:t>
             </a:r>
           </a:p>
           <a:p>
@@ -4723,20 +5271,55 @@
               <a:buChar char="Ø"/>
             </a:pPr>
             <a:r>
-              <a:rPr lang="en-US" sz="1350" dirty="0" smtClean="0"/>
-              <a:t>Sentinel provides a unified dashboard that empowers small businesses with real-time threat detection, phishing simulation, and actionable </a:t>
-            </a:r>
-            <a:r>
-              <a:rPr lang="en-US" sz="1350" dirty="0" smtClean="0"/>
-              <a:t>insights; all </a:t>
-            </a:r>
-            <a:r>
-              <a:rPr lang="en-US" sz="1350" dirty="0" smtClean="0"/>
-              <a:t>without needing a dedicated security team</a:t>
-            </a:r>
-            <a:r>
-              <a:rPr lang="en-US" sz="1350" dirty="0" smtClean="0"/>
-              <a:t>.</a:t>
+              <a:rPr lang="en-US" sz="1280" dirty="0" smtClean="0">
+                <a:latin typeface="Bahnschrift" pitchFamily="34" charset="0"/>
+              </a:rPr>
+              <a:t>Sentinel provides a </a:t>
+            </a:r>
+            <a:r>
+              <a:rPr lang="en-US" sz="1280" dirty="0" smtClean="0">
+                <a:solidFill>
+                  <a:srgbClr val="FF0000"/>
+                </a:solidFill>
+                <a:latin typeface="Bahnschrift" pitchFamily="34" charset="0"/>
+              </a:rPr>
+              <a:t>unified dashboard </a:t>
+            </a:r>
+            <a:r>
+              <a:rPr lang="en-US" sz="1280" dirty="0" smtClean="0">
+                <a:latin typeface="Bahnschrift" pitchFamily="34" charset="0"/>
+              </a:rPr>
+              <a:t>that empowers small businesses with real-time </a:t>
+            </a:r>
+            <a:r>
+              <a:rPr lang="en-US" sz="1280" dirty="0" smtClean="0">
+                <a:solidFill>
+                  <a:srgbClr val="FF0000"/>
+                </a:solidFill>
+                <a:latin typeface="Bahnschrift" pitchFamily="34" charset="0"/>
+              </a:rPr>
+              <a:t>threat detection</a:t>
+            </a:r>
+            <a:r>
+              <a:rPr lang="en-US" sz="1280" dirty="0" smtClean="0">
+                <a:latin typeface="Bahnschrift" pitchFamily="34" charset="0"/>
+              </a:rPr>
+              <a:t>, </a:t>
+            </a:r>
+            <a:r>
+              <a:rPr lang="en-US" sz="1280" dirty="0" smtClean="0">
+                <a:solidFill>
+                  <a:srgbClr val="FF0000"/>
+                </a:solidFill>
+                <a:latin typeface="Bahnschrift" pitchFamily="34" charset="0"/>
+              </a:rPr>
+              <a:t>phishing simulation</a:t>
+            </a:r>
+            <a:r>
+              <a:rPr lang="en-US" sz="1280" dirty="0" smtClean="0">
+                <a:latin typeface="Bahnschrift" pitchFamily="34" charset="0"/>
+              </a:rPr>
+              <a:t>, and actionable insights; all without needing a dedicated security team.</a:t>
             </a:r>
           </a:p>
           <a:p>
@@ -4745,8 +5328,70 @@
               <a:buChar char="Ø"/>
             </a:pPr>
             <a:r>
-              <a:rPr lang="en-US" sz="1350" dirty="0" smtClean="0"/>
-              <a:t>Using a lightweight ML model and simple rule based logic, our product scans e-mails, URLs and uploaded files for fraud and phishing content. The results are instant and concise.</a:t>
+              <a:rPr lang="en-US" sz="1280" dirty="0" smtClean="0">
+                <a:latin typeface="Bahnschrift" pitchFamily="34" charset="0"/>
+              </a:rPr>
+              <a:t>Using a </a:t>
+            </a:r>
+            <a:r>
+              <a:rPr lang="en-US" sz="1280" dirty="0" smtClean="0">
+                <a:solidFill>
+                  <a:srgbClr val="FF0000"/>
+                </a:solidFill>
+                <a:latin typeface="Bahnschrift" pitchFamily="34" charset="0"/>
+              </a:rPr>
+              <a:t>lightweight ML model </a:t>
+            </a:r>
+            <a:r>
+              <a:rPr lang="en-US" sz="1280" dirty="0" smtClean="0">
+                <a:latin typeface="Bahnschrift" pitchFamily="34" charset="0"/>
+              </a:rPr>
+              <a:t>and simple rule based logic, our product </a:t>
+            </a:r>
+            <a:r>
+              <a:rPr lang="en-US" sz="1280" dirty="0" smtClean="0">
+                <a:solidFill>
+                  <a:srgbClr val="FF0000"/>
+                </a:solidFill>
+                <a:latin typeface="Bahnschrift" pitchFamily="34" charset="0"/>
+              </a:rPr>
+              <a:t>scans e-mails, URLs</a:t>
+            </a:r>
+            <a:r>
+              <a:rPr lang="en-US" sz="1280" dirty="0" smtClean="0">
+                <a:latin typeface="Bahnschrift" pitchFamily="34" charset="0"/>
+              </a:rPr>
+              <a:t> and </a:t>
+            </a:r>
+            <a:r>
+              <a:rPr lang="en-US" sz="1280" dirty="0" smtClean="0">
+                <a:solidFill>
+                  <a:srgbClr val="FF0000"/>
+                </a:solidFill>
+                <a:latin typeface="Bahnschrift" pitchFamily="34" charset="0"/>
+              </a:rPr>
+              <a:t>uploaded files for fraud and phishing content</a:t>
+            </a:r>
+            <a:r>
+              <a:rPr lang="en-US" sz="1280" dirty="0" smtClean="0">
+                <a:latin typeface="Bahnschrift" pitchFamily="34" charset="0"/>
+              </a:rPr>
+              <a:t>. The </a:t>
+            </a:r>
+            <a:r>
+              <a:rPr lang="en-US" sz="1280" dirty="0" smtClean="0">
+                <a:solidFill>
+                  <a:srgbClr val="FF0000"/>
+                </a:solidFill>
+                <a:latin typeface="Bahnschrift" pitchFamily="34" charset="0"/>
+              </a:rPr>
+              <a:t>results are instant </a:t>
+            </a:r>
+            <a:r>
+              <a:rPr lang="en-US" sz="1280" dirty="0" smtClean="0">
+                <a:latin typeface="Bahnschrift" pitchFamily="34" charset="0"/>
+              </a:rPr>
+              <a:t>and concise.</a:t>
             </a:r>
           </a:p>
           <a:p>
@@ -4755,16 +5400,25 @@
               <a:buChar char="Ø"/>
             </a:pPr>
             <a:r>
-              <a:rPr lang="en-US" sz="1350" dirty="0" smtClean="0"/>
+              <a:rPr lang="en-US" sz="1280" dirty="0" smtClean="0">
+                <a:latin typeface="Bahnschrift" pitchFamily="34" charset="0"/>
+              </a:rPr>
               <a:t>Beyond protection, Sentinel aims to provide a </a:t>
             </a:r>
             <a:r>
-              <a:rPr lang="en-US" sz="1350" dirty="0" err="1" smtClean="0"/>
-              <a:t>gamified</a:t>
-            </a:r>
-            <a:r>
-              <a:rPr lang="en-US" sz="1350" dirty="0" smtClean="0"/>
-              <a:t> learning experience using quizzes, mission based training and small tasks </a:t>
+              <a:rPr lang="en-US" sz="1280" dirty="0" smtClean="0">
+                <a:solidFill>
+                  <a:srgbClr val="FF0000"/>
+                </a:solidFill>
+                <a:latin typeface="Bahnschrift" pitchFamily="34" charset="0"/>
+              </a:rPr>
+              <a:t>gamified learning experience </a:t>
+            </a:r>
+            <a:r>
+              <a:rPr lang="en-US" sz="1280" dirty="0" smtClean="0">
+                <a:latin typeface="Bahnschrift" pitchFamily="34" charset="0"/>
+              </a:rPr>
+              <a:t>using quizzes, mission based training and small tasks </a:t>
             </a:r>
           </a:p>
           <a:p>
@@ -4773,16 +5427,25 @@
               <a:buChar char="Ø"/>
             </a:pPr>
             <a:r>
-              <a:rPr lang="en-US" sz="1350" dirty="0" smtClean="0"/>
-              <a:t>Sentinel is designed for minimal infrastructure and supports API-based </a:t>
-            </a:r>
-            <a:r>
-              <a:rPr lang="en-US" sz="1350" dirty="0" err="1" smtClean="0"/>
-              <a:t>intgration</a:t>
-            </a:r>
-            <a:r>
-              <a:rPr lang="en-US" sz="1350" dirty="0" smtClean="0"/>
-              <a:t> with existing tools.</a:t>
+              <a:rPr lang="en-US" sz="1280" dirty="0" smtClean="0">
+                <a:latin typeface="Bahnschrift" pitchFamily="34" charset="0"/>
+              </a:rPr>
+              <a:t>Sentinel is designed for </a:t>
+            </a:r>
+            <a:r>
+              <a:rPr lang="en-US" sz="1280" dirty="0" smtClean="0">
+                <a:solidFill>
+                  <a:srgbClr val="FF0000"/>
+                </a:solidFill>
+                <a:latin typeface="Bahnschrift" pitchFamily="34" charset="0"/>
+              </a:rPr>
+              <a:t>minimal infrastructure and supports API-based integration </a:t>
+            </a:r>
+            <a:r>
+              <a:rPr lang="en-US" sz="1280" dirty="0" smtClean="0">
+                <a:latin typeface="Bahnschrift" pitchFamily="34" charset="0"/>
+              </a:rPr>
+              <a:t>with existing tools.</a:t>
             </a:r>
           </a:p>
           <a:p>
@@ -4791,24 +5454,555 @@
               <a:buChar char="Ø"/>
             </a:pPr>
             <a:r>
-              <a:rPr lang="en-US" sz="1350" dirty="0" smtClean="0"/>
-              <a:t>A 24*7 </a:t>
-            </a:r>
-            <a:r>
-              <a:rPr lang="en-US" sz="1350" dirty="0" err="1" smtClean="0"/>
+              <a:rPr lang="en-US" sz="1280" dirty="0" smtClean="0">
+                <a:latin typeface="Bahnschrift" pitchFamily="34" charset="0"/>
+              </a:rPr>
+              <a:t>A </a:t>
+            </a:r>
+            <a:r>
+              <a:rPr lang="en-US" sz="1280" dirty="0" smtClean="0">
+                <a:solidFill>
+                  <a:srgbClr val="FF0000"/>
+                </a:solidFill>
+                <a:latin typeface="Bahnschrift" pitchFamily="34" charset="0"/>
+              </a:rPr>
+              <a:t>24*7 </a:t>
+            </a:r>
+            <a:r>
+              <a:rPr lang="en-US" sz="1280" dirty="0" err="1" smtClean="0">
+                <a:solidFill>
+                  <a:srgbClr val="FF0000"/>
+                </a:solidFill>
+                <a:latin typeface="Bahnschrift" pitchFamily="34" charset="0"/>
+              </a:rPr>
               <a:t>chatbot</a:t>
             </a:r>
             <a:r>
-              <a:rPr lang="en-US" sz="1350" dirty="0" smtClean="0"/>
-              <a:t> helps users triage alerts and access information about the threats and risks.</a:t>
-            </a:r>
-            <a:endParaRPr lang="en-US" sz="1350" dirty="0"/>
+              <a:rPr lang="en-US" sz="1280" dirty="0" smtClean="0">
+                <a:solidFill>
+                  <a:srgbClr val="FF0000"/>
+                </a:solidFill>
+                <a:latin typeface="Bahnschrift" pitchFamily="34" charset="0"/>
+              </a:rPr>
+              <a:t> helps </a:t>
+            </a:r>
+            <a:r>
+              <a:rPr lang="en-US" sz="1280" dirty="0" smtClean="0">
+                <a:latin typeface="Bahnschrift" pitchFamily="34" charset="0"/>
+              </a:rPr>
+              <a:t>users triage alerts and access information about the threats and risks.</a:t>
+            </a:r>
+            <a:endParaRPr lang="en-US" sz="1280" dirty="0">
+              <a:latin typeface="Bahnschrift" pitchFamily="34" charset="0"/>
+            </a:endParaRPr>
           </a:p>
         </p:txBody>
       </p:sp>
       <p:pic>
         <p:nvPicPr>
           <p:cNvPr id="12" name="Picture 11" descr="senti-dash.jpg"/>
+          <p:cNvPicPr>
+            <a:picLocks noChangeAspect="1"/>
+          </p:cNvPicPr>
+          <p:nvPr/>
+        </p:nvPicPr>
+        <p:blipFill>
+          <a:blip r:embed="rId3" cstate="print"/>
+          <a:stretch>
+            <a:fillRect/>
+          </a:stretch>
+        </p:blipFill>
+        <p:spPr>
+          <a:xfrm>
+            <a:off x="5076056" y="1409311"/>
+            <a:ext cx="3816424" cy="1756151"/>
+          </a:xfrm>
+          <a:prstGeom prst="rect">
+            <a:avLst/>
+          </a:prstGeom>
+        </p:spPr>
+      </p:pic>
+      <p:sp>
+        <p:nvSpPr>
+          <p:cNvPr id="13" name="TextBox 12"/>
+          <p:cNvSpPr txBox="1"/>
+          <p:nvPr/>
+        </p:nvSpPr>
+        <p:spPr>
+          <a:xfrm>
+            <a:off x="5076056" y="3234005"/>
+            <a:ext cx="3963649" cy="369332"/>
+          </a:xfrm>
+          <a:prstGeom prst="rect">
+            <a:avLst/>
+          </a:prstGeom>
+          <a:noFill/>
+        </p:spPr>
+        <p:txBody>
+          <a:bodyPr wrap="none" rtlCol="0">
+            <a:spAutoFit/>
+          </a:bodyPr>
+          <a:lstStyle/>
+          <a:p>
+            <a:pPr algn="ctr"/>
+            <a:r>
+              <a:rPr lang="en-US" dirty="0" smtClean="0"/>
+              <a:t>Fig: Snapshot of dashboard from Sentinel</a:t>
+            </a:r>
+            <a:endParaRPr lang="en-US" dirty="0"/>
+          </a:p>
+        </p:txBody>
+      </p:sp>
+      <p:sp>
+        <p:nvSpPr>
+          <p:cNvPr id="15" name="TextBox 14"/>
+          <p:cNvSpPr txBox="1"/>
+          <p:nvPr/>
+        </p:nvSpPr>
+        <p:spPr>
+          <a:xfrm>
+            <a:off x="5076056" y="3789040"/>
+            <a:ext cx="3816424" cy="2098685"/>
+          </a:xfrm>
+          <a:prstGeom prst="rect">
+            <a:avLst/>
+          </a:prstGeom>
+          <a:solidFill>
+            <a:schemeClr val="bg1"/>
+          </a:solidFill>
+        </p:spPr>
+        <p:txBody>
+          <a:bodyPr wrap="square" rtlCol="0">
+            <a:spAutoFit/>
+          </a:bodyPr>
+          <a:lstStyle/>
+          <a:p>
+            <a:r>
+              <a:rPr lang="en-US" sz="1600" dirty="0" smtClean="0"/>
+              <a:t>Commercial Model:</a:t>
+            </a:r>
+          </a:p>
+          <a:p>
+            <a:pPr>
+              <a:buFont typeface="Wingdings" pitchFamily="2" charset="2"/>
+              <a:buChar char="q"/>
+            </a:pPr>
+            <a:r>
+              <a:rPr lang="en-US" sz="1600" dirty="0" smtClean="0"/>
+              <a:t> Advertisement</a:t>
+            </a:r>
+          </a:p>
+          <a:p>
+            <a:pPr>
+              <a:buFont typeface="Wingdings" pitchFamily="2" charset="2"/>
+              <a:buChar char="q"/>
+            </a:pPr>
+            <a:r>
+              <a:rPr lang="en-US" sz="1600" dirty="0" smtClean="0"/>
+              <a:t>Collaborations with security vendors</a:t>
+            </a:r>
+          </a:p>
+          <a:p>
+            <a:pPr>
+              <a:buFont typeface="Wingdings" pitchFamily="2" charset="2"/>
+              <a:buChar char="q"/>
+            </a:pPr>
+            <a:r>
+              <a:rPr lang="en-US" sz="1600" dirty="0" smtClean="0"/>
+              <a:t>Promotions (via </a:t>
+            </a:r>
+            <a:r>
+              <a:rPr lang="en-US" sz="1600" dirty="0" err="1" smtClean="0"/>
+              <a:t>Cybersecurity</a:t>
+            </a:r>
+            <a:r>
+              <a:rPr lang="en-US" sz="1600" dirty="0" smtClean="0"/>
+              <a:t> campaigns)</a:t>
+            </a:r>
+          </a:p>
+          <a:p>
+            <a:pPr>
+              <a:buFont typeface="Wingdings" pitchFamily="2" charset="2"/>
+              <a:buChar char="q"/>
+            </a:pPr>
+            <a:r>
+              <a:rPr lang="en-US" sz="1600" dirty="0" smtClean="0"/>
+              <a:t>Subscription plans for premium features</a:t>
+            </a:r>
+          </a:p>
+          <a:p>
+            <a:pPr>
+              <a:buFont typeface="Wingdings" pitchFamily="2" charset="2"/>
+              <a:buChar char="q"/>
+            </a:pPr>
+            <a:r>
+              <a:rPr lang="en-US" sz="1600" dirty="0" smtClean="0"/>
+              <a:t>API monetization for third party integrations</a:t>
+            </a:r>
+            <a:endParaRPr lang="en-US" sz="1600" dirty="0"/>
+          </a:p>
+        </p:txBody>
+      </p:sp>
+      <p:pic>
+        <p:nvPicPr>
+          <p:cNvPr id="8" name="Picture 7" descr="hackathon-logo-CrEe6TN6.png"/>
+          <p:cNvPicPr>
+            <a:picLocks noChangeAspect="1"/>
+          </p:cNvPicPr>
+          <p:nvPr/>
+        </p:nvPicPr>
+        <p:blipFill>
+          <a:blip r:embed="rId4" cstate="print"/>
+          <a:stretch>
+            <a:fillRect/>
+          </a:stretch>
+        </p:blipFill>
+        <p:spPr>
+          <a:xfrm>
+            <a:off x="7200000" y="5940001"/>
+            <a:ext cx="1800000" cy="745421"/>
+          </a:xfrm>
+          <a:prstGeom prst="rect">
+            <a:avLst/>
+          </a:prstGeom>
+        </p:spPr>
+      </p:pic>
+    </p:spTree>
+  </p:cSld>
+  <p:clrMapOvr>
+    <a:masterClrMapping/>
+  </p:clrMapOvr>
+  <p:timing>
+    <p:tnLst>
+      <p:par>
+        <p:cTn id="1" dur="indefinite" restart="never" nodeType="tmRoot"/>
+      </p:par>
+    </p:tnLst>
+  </p:timing>
+</p:sld>
+</file>
+
+<file path=ppt/slides/slide4.xml><?xml version="1.0" encoding="utf-8"?>
+<p:sld xmlns:a="http://schemas.openxmlformats.org/drawingml/2006/main" xmlns:r="http://schemas.openxmlformats.org/officeDocument/2006/relationships" xmlns:p="http://schemas.openxmlformats.org/presentationml/2006/main">
+  <p:cSld>
+    <p:spTree>
+      <p:nvGrpSpPr>
+        <p:cNvPr id="1" name=""/>
+        <p:cNvGrpSpPr/>
+        <p:nvPr/>
+      </p:nvGrpSpPr>
+      <p:grpSpPr>
+        <a:xfrm>
+          <a:off x="0" y="0"/>
+          <a:ext cx="0" cy="0"/>
+          <a:chOff x="0" y="0"/>
+          <a:chExt cx="0" cy="0"/>
+        </a:xfrm>
+      </p:grpSpPr>
+      <p:sp>
+        <p:nvSpPr>
+          <p:cNvPr id="2" name="Title 1"/>
+          <p:cNvSpPr>
+            <a:spLocks noGrp="1"/>
+          </p:cNvSpPr>
+          <p:nvPr>
+            <p:ph type="title"/>
+          </p:nvPr>
+        </p:nvSpPr>
+        <p:spPr/>
+        <p:txBody>
+          <a:bodyPr/>
+          <a:lstStyle/>
+          <a:p>
+            <a:r>
+              <a:rPr lang="en-US" dirty="0" smtClean="0"/>
+              <a:t>Idea/Approach Details</a:t>
+            </a:r>
+            <a:endParaRPr lang="en-US" dirty="0"/>
+          </a:p>
+        </p:txBody>
+      </p:sp>
+      <p:sp>
+        <p:nvSpPr>
+          <p:cNvPr id="5" name="Content Placeholder 4"/>
+          <p:cNvSpPr>
+            <a:spLocks noGrp="1"/>
+          </p:cNvSpPr>
+          <p:nvPr>
+            <p:ph sz="half" idx="1"/>
+          </p:nvPr>
+        </p:nvSpPr>
+        <p:spPr/>
+        <p:txBody>
+          <a:bodyPr>
+            <a:normAutofit fontScale="25000" lnSpcReduction="20000"/>
+          </a:bodyPr>
+          <a:lstStyle/>
+          <a:p>
+            <a:pPr algn="ctr">
+              <a:buNone/>
+            </a:pPr>
+            <a:r>
+              <a:rPr lang="en-US" sz="7200" b="1" u="sng" dirty="0" smtClean="0">
+                <a:solidFill>
+                  <a:srgbClr val="FF0000"/>
+                </a:solidFill>
+                <a:latin typeface="Bahnschrift" pitchFamily="34" charset="0"/>
+              </a:rPr>
+              <a:t>Our prototype and solutions</a:t>
+            </a:r>
+          </a:p>
+          <a:p>
+            <a:pPr>
+              <a:buFont typeface="Wingdings" pitchFamily="2" charset="2"/>
+              <a:buChar char="v"/>
+            </a:pPr>
+            <a:r>
+              <a:rPr lang="en-US" sz="6000" u="sng" dirty="0" smtClean="0">
+                <a:latin typeface="Bahnschrift" pitchFamily="34" charset="0"/>
+              </a:rPr>
+              <a:t>Dashboard</a:t>
+            </a:r>
+            <a:r>
+              <a:rPr lang="en-US" sz="6000" dirty="0" smtClean="0">
+                <a:latin typeface="Bahnschrift" pitchFamily="34" charset="0"/>
+              </a:rPr>
+              <a:t>: </a:t>
+            </a:r>
+            <a:r>
+              <a:rPr lang="en-US" sz="6000" dirty="0" smtClean="0">
+                <a:solidFill>
+                  <a:schemeClr val="accent3">
+                    <a:lumMod val="75000"/>
+                  </a:schemeClr>
+                </a:solidFill>
+                <a:latin typeface="Bahnschrift" pitchFamily="34" charset="0"/>
+              </a:rPr>
+              <a:t>A single place to access all security tools such as scan results, alerts, and learning modules; in one easy-to-use interface.</a:t>
+            </a:r>
+          </a:p>
+          <a:p>
+            <a:pPr>
+              <a:buFont typeface="Wingdings" pitchFamily="2" charset="2"/>
+              <a:buChar char="v"/>
+            </a:pPr>
+            <a:r>
+              <a:rPr lang="en-US" sz="6000" u="sng" dirty="0" smtClean="0">
+                <a:latin typeface="Bahnschrift" pitchFamily="34" charset="0"/>
+              </a:rPr>
+              <a:t>Threat Scanner</a:t>
+            </a:r>
+            <a:r>
+              <a:rPr lang="en-US" sz="6000" dirty="0" smtClean="0">
+                <a:latin typeface="Bahnschrift" pitchFamily="34" charset="0"/>
+              </a:rPr>
+              <a:t>: </a:t>
+            </a:r>
+            <a:r>
+              <a:rPr lang="en-US" sz="6000" dirty="0" smtClean="0">
+                <a:solidFill>
+                  <a:schemeClr val="accent3">
+                    <a:lumMod val="75000"/>
+                  </a:schemeClr>
+                </a:solidFill>
+                <a:latin typeface="Bahnschrift" pitchFamily="34" charset="0"/>
+              </a:rPr>
+              <a:t>Scans URLs, emails, and files to detect phishing links and suspicious content;  fast, accurate, and built for everyday use.</a:t>
+            </a:r>
+          </a:p>
+          <a:p>
+            <a:pPr>
+              <a:buFont typeface="Wingdings" pitchFamily="2" charset="2"/>
+              <a:buChar char="v"/>
+            </a:pPr>
+            <a:r>
+              <a:rPr lang="en-IN" sz="6000" u="sng" dirty="0" smtClean="0">
+                <a:latin typeface="Bahnschrift" pitchFamily="34" charset="0"/>
+              </a:rPr>
+              <a:t>Activity Logs</a:t>
+            </a:r>
+            <a:r>
+              <a:rPr lang="en-IN" sz="6000" dirty="0" smtClean="0">
+                <a:latin typeface="Bahnschrift" pitchFamily="34" charset="0"/>
+              </a:rPr>
+              <a:t>: </a:t>
+            </a:r>
+            <a:r>
+              <a:rPr lang="en-US" sz="6000" dirty="0" smtClean="0">
+                <a:solidFill>
+                  <a:schemeClr val="accent3">
+                    <a:lumMod val="75000"/>
+                  </a:schemeClr>
+                </a:solidFill>
+                <a:latin typeface="Bahnschrift" pitchFamily="34" charset="0"/>
+              </a:rPr>
+              <a:t>Keeps a record of all scans, alerts, and user actions , so nothing goes unnoticed.</a:t>
+            </a:r>
+          </a:p>
+          <a:p>
+            <a:pPr>
+              <a:buFont typeface="Wingdings" pitchFamily="2" charset="2"/>
+              <a:buChar char="v"/>
+            </a:pPr>
+            <a:r>
+              <a:rPr lang="en-IN" sz="6000" u="sng" dirty="0" smtClean="0">
+                <a:latin typeface="Bahnschrift" pitchFamily="34" charset="0"/>
+              </a:rPr>
+              <a:t>Awareness(quizzes and </a:t>
+            </a:r>
+            <a:r>
+              <a:rPr lang="en-IN" sz="6000" u="sng" dirty="0" err="1" smtClean="0">
+                <a:latin typeface="Bahnschrift" pitchFamily="34" charset="0"/>
+              </a:rPr>
+              <a:t>leaderboards</a:t>
+            </a:r>
+            <a:r>
+              <a:rPr lang="en-IN" sz="6000" u="sng" dirty="0" smtClean="0">
+                <a:latin typeface="Bahnschrift" pitchFamily="34" charset="0"/>
+              </a:rPr>
+              <a:t>)</a:t>
+            </a:r>
+            <a:r>
+              <a:rPr lang="en-IN" sz="6000" dirty="0" smtClean="0">
+                <a:latin typeface="Bahnschrift" pitchFamily="34" charset="0"/>
+              </a:rPr>
+              <a:t>:</a:t>
+            </a:r>
+            <a:r>
+              <a:rPr lang="en-IN" sz="6000" dirty="0" smtClean="0">
+                <a:solidFill>
+                  <a:schemeClr val="accent3">
+                    <a:lumMod val="60000"/>
+                    <a:lumOff val="40000"/>
+                  </a:schemeClr>
+                </a:solidFill>
+                <a:latin typeface="Bahnschrift" pitchFamily="34" charset="0"/>
+              </a:rPr>
+              <a:t> </a:t>
+            </a:r>
+            <a:r>
+              <a:rPr lang="en-US" sz="6000" dirty="0" smtClean="0">
+                <a:solidFill>
+                  <a:schemeClr val="accent3">
+                    <a:lumMod val="75000"/>
+                  </a:schemeClr>
+                </a:solidFill>
+                <a:latin typeface="Bahnschrift" pitchFamily="34" charset="0"/>
+              </a:rPr>
+              <a:t>Boosts </a:t>
+            </a:r>
+            <a:r>
+              <a:rPr lang="en-US" sz="6000" dirty="0" err="1" smtClean="0">
+                <a:solidFill>
+                  <a:schemeClr val="accent3">
+                    <a:lumMod val="75000"/>
+                  </a:schemeClr>
+                </a:solidFill>
+                <a:latin typeface="Bahnschrift" pitchFamily="34" charset="0"/>
+              </a:rPr>
+              <a:t>cybersecurity</a:t>
+            </a:r>
+            <a:r>
+              <a:rPr lang="en-US" sz="6000" dirty="0" smtClean="0">
+                <a:solidFill>
+                  <a:schemeClr val="accent3">
+                    <a:lumMod val="75000"/>
+                  </a:schemeClr>
+                </a:solidFill>
+                <a:latin typeface="Bahnschrift" pitchFamily="34" charset="0"/>
+              </a:rPr>
+              <a:t> knowledge through interactive quizzes and </a:t>
+            </a:r>
+            <a:r>
+              <a:rPr lang="en-US" sz="6000" dirty="0" err="1" smtClean="0">
+                <a:solidFill>
+                  <a:schemeClr val="accent3">
+                    <a:lumMod val="75000"/>
+                  </a:schemeClr>
+                </a:solidFill>
+                <a:latin typeface="Bahnschrift" pitchFamily="34" charset="0"/>
+              </a:rPr>
+              <a:t>leaderboards</a:t>
+            </a:r>
+            <a:r>
+              <a:rPr lang="en-US" sz="6000" dirty="0" smtClean="0">
+                <a:solidFill>
+                  <a:schemeClr val="accent3">
+                    <a:lumMod val="75000"/>
+                  </a:schemeClr>
+                </a:solidFill>
+                <a:latin typeface="Bahnschrift" pitchFamily="34" charset="0"/>
+              </a:rPr>
+              <a:t>; making learning fun and competitive.</a:t>
+            </a:r>
+            <a:endParaRPr lang="en-US" sz="6000" dirty="0" smtClean="0">
+              <a:latin typeface="Bahnschrift" pitchFamily="34" charset="0"/>
+            </a:endParaRPr>
+          </a:p>
+          <a:p>
+            <a:pPr>
+              <a:buFont typeface="Wingdings" pitchFamily="2" charset="2"/>
+              <a:buChar char="v"/>
+            </a:pPr>
+            <a:r>
+              <a:rPr lang="en-IN" sz="6000" u="sng" dirty="0" err="1" smtClean="0">
+                <a:latin typeface="Bahnschrift" pitchFamily="34" charset="0"/>
+              </a:rPr>
+              <a:t>Senty</a:t>
+            </a:r>
+            <a:r>
+              <a:rPr lang="en-IN" sz="6000" dirty="0" smtClean="0">
+                <a:latin typeface="Bahnschrift" pitchFamily="34" charset="0"/>
+              </a:rPr>
+              <a:t>:</a:t>
+            </a:r>
+            <a:r>
+              <a:rPr lang="en-IN" sz="6000" dirty="0" smtClean="0">
+                <a:solidFill>
+                  <a:schemeClr val="accent3">
+                    <a:lumMod val="75000"/>
+                  </a:schemeClr>
+                </a:solidFill>
+                <a:latin typeface="Bahnschrift" pitchFamily="34" charset="0"/>
+              </a:rPr>
+              <a:t> </a:t>
+            </a:r>
+            <a:r>
+              <a:rPr lang="en-US" sz="6000" dirty="0" smtClean="0">
+                <a:solidFill>
+                  <a:schemeClr val="accent3">
+                    <a:lumMod val="75000"/>
+                  </a:schemeClr>
+                </a:solidFill>
+                <a:latin typeface="Bahnschrift" pitchFamily="34" charset="0"/>
+              </a:rPr>
+              <a:t>Offers 24×7 support for both technical and non-technical users — guiding them through scans, alerts, and safety tips in plain language</a:t>
+            </a:r>
+            <a:r>
+              <a:rPr lang="en-US" dirty="0" smtClean="0">
+                <a:solidFill>
+                  <a:schemeClr val="accent3">
+                    <a:lumMod val="75000"/>
+                  </a:schemeClr>
+                </a:solidFill>
+                <a:latin typeface="Bahnschrift" pitchFamily="34" charset="0"/>
+              </a:rPr>
+              <a:t>.</a:t>
+            </a:r>
+            <a:endParaRPr lang="en-US" u="sng" dirty="0" smtClean="0">
+              <a:solidFill>
+                <a:schemeClr val="accent3">
+                  <a:lumMod val="75000"/>
+                </a:schemeClr>
+              </a:solidFill>
+              <a:latin typeface="Bahnschrift" pitchFamily="34" charset="0"/>
+            </a:endParaRPr>
+          </a:p>
+        </p:txBody>
+      </p:sp>
+      <p:pic>
+        <p:nvPicPr>
+          <p:cNvPr id="4" name="Picture 3" descr="hackathon-logo-CrEe6TN6.png"/>
           <p:cNvPicPr>
             <a:picLocks noChangeAspect="1"/>
           </p:cNvPicPr>
@@ -4822,8 +6016,8 @@
         </p:blipFill>
         <p:spPr>
           <a:xfrm>
-            <a:off x="5076056" y="1480821"/>
-            <a:ext cx="3816424" cy="1893238"/>
+            <a:off x="7200000" y="5940001"/>
+            <a:ext cx="1800000" cy="745421"/>
           </a:xfrm>
           <a:prstGeom prst="rect">
             <a:avLst/>
@@ -4832,14 +6026,14 @@
       </p:pic>
       <p:sp>
         <p:nvSpPr>
-          <p:cNvPr id="13" name="TextBox 12"/>
+          <p:cNvPr id="7" name="TextBox 6"/>
           <p:cNvSpPr txBox="1"/>
           <p:nvPr/>
         </p:nvSpPr>
         <p:spPr>
           <a:xfrm>
-            <a:off x="5076056" y="3374058"/>
-            <a:ext cx="3963649" cy="369332"/>
+            <a:off x="5668444" y="1425550"/>
+            <a:ext cx="2936004" cy="923330"/>
           </a:xfrm>
           <a:prstGeom prst="rect">
             <a:avLst/>
@@ -4847,37 +6041,777 @@
           <a:noFill/>
         </p:spPr>
         <p:txBody>
+          <a:bodyPr wrap="square" rtlCol="0">
+            <a:spAutoFit/>
+          </a:bodyPr>
+          <a:lstStyle/>
+          <a:p>
+            <a:pPr algn="ctr"/>
+            <a:r>
+              <a:rPr lang="en-IN" b="1" u="sng" dirty="0" smtClean="0">
+                <a:solidFill>
+                  <a:srgbClr val="FF0000"/>
+                </a:solidFill>
+                <a:latin typeface="Bahnschrift" pitchFamily="34" charset="0"/>
+              </a:rPr>
+              <a:t>Project Dependencies and Tech Stack</a:t>
+            </a:r>
+          </a:p>
+          <a:p>
+            <a:pPr>
+              <a:buFont typeface="Wingdings" pitchFamily="2" charset="2"/>
+              <a:buChar char="q"/>
+            </a:pPr>
+            <a:endParaRPr lang="en-US" u="sng" dirty="0">
+              <a:solidFill>
+                <a:srgbClr val="FF0000"/>
+              </a:solidFill>
+              <a:latin typeface="Bahnschrift" pitchFamily="34" charset="0"/>
+            </a:endParaRPr>
+          </a:p>
+        </p:txBody>
+      </p:sp>
+      <p:sp>
+        <p:nvSpPr>
+          <p:cNvPr id="8" name="TextBox 7"/>
+          <p:cNvSpPr txBox="1"/>
+          <p:nvPr/>
+        </p:nvSpPr>
+        <p:spPr>
+          <a:xfrm>
+            <a:off x="5724128" y="2060848"/>
+            <a:ext cx="3161443" cy="369332"/>
+          </a:xfrm>
+          <a:prstGeom prst="rect">
+            <a:avLst/>
+          </a:prstGeom>
+          <a:noFill/>
+        </p:spPr>
+        <p:txBody>
           <a:bodyPr wrap="none" rtlCol="0">
             <a:spAutoFit/>
           </a:bodyPr>
           <a:lstStyle/>
           <a:p>
-            <a:pPr algn="ctr"/>
-            <a:r>
-              <a:rPr lang="en-US" dirty="0" smtClean="0"/>
-              <a:t>Fig: Snapshot of dashboard from Sentinel</a:t>
-            </a:r>
-            <a:endParaRPr lang="en-US" dirty="0"/>
-          </a:p>
-        </p:txBody>
-      </p:sp>
-      <p:sp>
-        <p:nvSpPr>
-          <p:cNvPr id="15" name="TextBox 14"/>
+            <a:r>
+              <a:rPr lang="en-IN" b="1" u="sng" dirty="0" smtClean="0">
+                <a:solidFill>
+                  <a:srgbClr val="FF0000"/>
+                </a:solidFill>
+                <a:latin typeface="Bahnschrift" pitchFamily="34" charset="0"/>
+              </a:rPr>
+              <a:t>Languages &amp; Libraries Used:</a:t>
+            </a:r>
+          </a:p>
+        </p:txBody>
+      </p:sp>
+      <p:sp>
+        <p:nvSpPr>
+          <p:cNvPr id="9" name="TextBox 8"/>
           <p:cNvSpPr txBox="1"/>
           <p:nvPr/>
         </p:nvSpPr>
         <p:spPr>
           <a:xfrm>
-            <a:off x="5148064" y="4005064"/>
-            <a:ext cx="3744416" cy="2123658"/>
+            <a:off x="5700807" y="3356992"/>
+            <a:ext cx="2053767" cy="1477328"/>
           </a:xfrm>
           <a:prstGeom prst="rect">
             <a:avLst/>
           </a:prstGeom>
-          <a:solidFill>
-            <a:schemeClr val="bg1"/>
-          </a:solidFill>
+          <a:noFill/>
+        </p:spPr>
+        <p:txBody>
+          <a:bodyPr wrap="none" rtlCol="0">
+            <a:spAutoFit/>
+          </a:bodyPr>
+          <a:lstStyle/>
+          <a:p>
+            <a:r>
+              <a:rPr lang="en-IN" b="1" u="sng" dirty="0" smtClean="0">
+                <a:solidFill>
+                  <a:srgbClr val="FF0000"/>
+                </a:solidFill>
+                <a:latin typeface="Bahnschrift" pitchFamily="34" charset="0"/>
+              </a:rPr>
+              <a:t>APIs </a:t>
+            </a:r>
+            <a:r>
+              <a:rPr lang="en-IN" b="1" u="sng" dirty="0" smtClean="0">
+                <a:solidFill>
+                  <a:srgbClr val="FF0000"/>
+                </a:solidFill>
+                <a:latin typeface="Bahnschrift" pitchFamily="34" charset="0"/>
+              </a:rPr>
+              <a:t>used</a:t>
+            </a:r>
+          </a:p>
+          <a:p>
+            <a:pPr>
+              <a:buFont typeface="Wingdings" pitchFamily="2" charset="2"/>
+              <a:buChar char="Ø"/>
+            </a:pPr>
+            <a:r>
+              <a:rPr lang="en-IN" b="1" u="sng" dirty="0" smtClean="0">
+                <a:latin typeface="Bahnschrift" pitchFamily="34" charset="0"/>
+              </a:rPr>
+              <a:t>Virus Total API</a:t>
+            </a:r>
+          </a:p>
+          <a:p>
+            <a:pPr>
+              <a:buFont typeface="Wingdings" pitchFamily="2" charset="2"/>
+              <a:buChar char="Ø"/>
+            </a:pPr>
+            <a:r>
+              <a:rPr lang="en-IN" b="1" u="sng" dirty="0" smtClean="0">
+                <a:latin typeface="Bahnschrift" pitchFamily="34" charset="0"/>
+              </a:rPr>
+              <a:t>Mailcheck.ai API</a:t>
+            </a:r>
+          </a:p>
+          <a:p>
+            <a:pPr>
+              <a:buFont typeface="Wingdings" pitchFamily="2" charset="2"/>
+              <a:buChar char="Ø"/>
+            </a:pPr>
+            <a:r>
+              <a:rPr lang="en-IN" b="1" u="sng" dirty="0" err="1" smtClean="0">
+                <a:latin typeface="Bahnschrift" pitchFamily="34" charset="0"/>
+              </a:rPr>
+              <a:t>OpenAI</a:t>
+            </a:r>
+            <a:r>
+              <a:rPr lang="en-IN" b="1" u="sng" dirty="0" smtClean="0">
+                <a:latin typeface="Bahnschrift" pitchFamily="34" charset="0"/>
+              </a:rPr>
+              <a:t> API</a:t>
+            </a:r>
+          </a:p>
+          <a:p>
+            <a:pPr>
+              <a:buFont typeface="Wingdings" pitchFamily="2" charset="2"/>
+              <a:buChar char="Ø"/>
+            </a:pPr>
+            <a:r>
+              <a:rPr lang="en-IN" b="1" u="sng" dirty="0" err="1" smtClean="0">
+                <a:latin typeface="Bahnschrift" pitchFamily="34" charset="0"/>
+              </a:rPr>
+              <a:t>Pwned</a:t>
+            </a:r>
+            <a:r>
+              <a:rPr lang="en-IN" b="1" u="sng" dirty="0" smtClean="0">
+                <a:latin typeface="Bahnschrift" pitchFamily="34" charset="0"/>
+              </a:rPr>
+              <a:t> API</a:t>
+            </a:r>
+            <a:endParaRPr lang="en-US" b="1" u="sng" dirty="0">
+              <a:latin typeface="Bahnschrift" pitchFamily="34" charset="0"/>
+            </a:endParaRPr>
+          </a:p>
+        </p:txBody>
+      </p:sp>
+      <p:sp>
+        <p:nvSpPr>
+          <p:cNvPr id="10" name="TextBox 9"/>
+          <p:cNvSpPr txBox="1"/>
+          <p:nvPr/>
+        </p:nvSpPr>
+        <p:spPr>
+          <a:xfrm>
+            <a:off x="5724128" y="4941168"/>
+            <a:ext cx="2215671" cy="369332"/>
+          </a:xfrm>
+          <a:prstGeom prst="rect">
+            <a:avLst/>
+          </a:prstGeom>
+          <a:noFill/>
+        </p:spPr>
+        <p:txBody>
+          <a:bodyPr wrap="none" rtlCol="0">
+            <a:spAutoFit/>
+          </a:bodyPr>
+          <a:lstStyle/>
+          <a:p>
+            <a:r>
+              <a:rPr lang="en-IN" b="1" u="sng" dirty="0" smtClean="0">
+                <a:solidFill>
+                  <a:srgbClr val="FF0000"/>
+                </a:solidFill>
+                <a:latin typeface="Bahnschrift" pitchFamily="34" charset="0"/>
+              </a:rPr>
+              <a:t>Hosting &amp; Database</a:t>
+            </a:r>
+            <a:endParaRPr lang="en-US" b="1" u="sng" dirty="0">
+              <a:solidFill>
+                <a:srgbClr val="FF0000"/>
+              </a:solidFill>
+              <a:latin typeface="Bahnschrift" pitchFamily="34" charset="0"/>
+            </a:endParaRPr>
+          </a:p>
+        </p:txBody>
+      </p:sp>
+      <p:pic>
+        <p:nvPicPr>
+          <p:cNvPr id="4098" name="Picture 2" descr="Python Logo and symbol, meaning, history, PNG, brand"/>
+          <p:cNvPicPr>
+            <a:picLocks noChangeAspect="1" noChangeArrowheads="1"/>
+          </p:cNvPicPr>
+          <p:nvPr/>
+        </p:nvPicPr>
+        <p:blipFill>
+          <a:blip r:embed="rId3" cstate="print"/>
+          <a:srcRect/>
+          <a:stretch>
+            <a:fillRect/>
+          </a:stretch>
+        </p:blipFill>
+        <p:spPr bwMode="auto">
+          <a:xfrm>
+            <a:off x="5796136" y="2204864"/>
+            <a:ext cx="1512168" cy="732374"/>
+          </a:xfrm>
+          <a:prstGeom prst="rect">
+            <a:avLst/>
+          </a:prstGeom>
+          <a:noFill/>
+        </p:spPr>
+      </p:pic>
+      <p:pic>
+        <p:nvPicPr>
+          <p:cNvPr id="4100" name="Picture 4" descr="File:JavaScript-logo.png - Wikimedia Commons"/>
+          <p:cNvPicPr>
+            <a:picLocks noChangeAspect="1" noChangeArrowheads="1"/>
+          </p:cNvPicPr>
+          <p:nvPr/>
+        </p:nvPicPr>
+        <p:blipFill>
+          <a:blip r:embed="rId4" cstate="print"/>
+          <a:srcRect/>
+          <a:stretch>
+            <a:fillRect/>
+          </a:stretch>
+        </p:blipFill>
+        <p:spPr bwMode="auto">
+          <a:xfrm>
+            <a:off x="5796136" y="2780928"/>
+            <a:ext cx="460673" cy="460673"/>
+          </a:xfrm>
+          <a:prstGeom prst="rect">
+            <a:avLst/>
+          </a:prstGeom>
+          <a:noFill/>
+        </p:spPr>
+      </p:pic>
+      <p:pic>
+        <p:nvPicPr>
+          <p:cNvPr id="4102" name="Picture 6" descr="File:Scikit learn logo small.svg - Wikimedia Commons"/>
+          <p:cNvPicPr>
+            <a:picLocks noChangeAspect="1" noChangeArrowheads="1"/>
+          </p:cNvPicPr>
+          <p:nvPr/>
+        </p:nvPicPr>
+        <p:blipFill>
+          <a:blip r:embed="rId5" cstate="print"/>
+          <a:srcRect/>
+          <a:stretch>
+            <a:fillRect/>
+          </a:stretch>
+        </p:blipFill>
+        <p:spPr bwMode="auto">
+          <a:xfrm rot="10800000" flipH="1" flipV="1">
+            <a:off x="6372200" y="2708920"/>
+            <a:ext cx="1296144" cy="504056"/>
+          </a:xfrm>
+          <a:prstGeom prst="rect">
+            <a:avLst/>
+          </a:prstGeom>
+          <a:noFill/>
+        </p:spPr>
+      </p:pic>
+      <p:pic>
+        <p:nvPicPr>
+          <p:cNvPr id="4104" name="Picture 8" descr="File:MongoDB Logo.svg - Wikimedia Commons"/>
+          <p:cNvPicPr>
+            <a:picLocks noChangeAspect="1" noChangeArrowheads="1"/>
+          </p:cNvPicPr>
+          <p:nvPr/>
+        </p:nvPicPr>
+        <p:blipFill>
+          <a:blip r:embed="rId6" cstate="print"/>
+          <a:srcRect/>
+          <a:stretch>
+            <a:fillRect/>
+          </a:stretch>
+        </p:blipFill>
+        <p:spPr bwMode="auto">
+          <a:xfrm>
+            <a:off x="5796136" y="5238492"/>
+            <a:ext cx="1201823" cy="324868"/>
+          </a:xfrm>
+          <a:prstGeom prst="rect">
+            <a:avLst/>
+          </a:prstGeom>
+          <a:noFill/>
+        </p:spPr>
+      </p:pic>
+      <p:pic>
+        <p:nvPicPr>
+          <p:cNvPr id="4106" name="Picture 10" descr="File:CSS3 logo and wordmark.svg - Wikimedia Commons"/>
+          <p:cNvPicPr>
+            <a:picLocks noChangeAspect="1" noChangeArrowheads="1"/>
+          </p:cNvPicPr>
+          <p:nvPr/>
+        </p:nvPicPr>
+        <p:blipFill>
+          <a:blip r:embed="rId7" cstate="print"/>
+          <a:srcRect/>
+          <a:stretch>
+            <a:fillRect/>
+          </a:stretch>
+        </p:blipFill>
+        <p:spPr bwMode="auto">
+          <a:xfrm>
+            <a:off x="7668344" y="2420888"/>
+            <a:ext cx="648072" cy="777772"/>
+          </a:xfrm>
+          <a:prstGeom prst="rect">
+            <a:avLst/>
+          </a:prstGeom>
+          <a:noFill/>
+        </p:spPr>
+      </p:pic>
+      <p:sp>
+        <p:nvSpPr>
+          <p:cNvPr id="3" name="AutoShape 2" descr="File:NumPy logo 2020.svg - Wikimedia Commons"/>
+          <p:cNvSpPr>
+            <a:spLocks noChangeAspect="1" noChangeArrowheads="1"/>
+          </p:cNvSpPr>
+          <p:nvPr/>
+        </p:nvSpPr>
+        <p:spPr bwMode="auto">
+          <a:xfrm>
+            <a:off x="155575" y="-144463"/>
+            <a:ext cx="304800" cy="304801"/>
+          </a:xfrm>
+          <a:prstGeom prst="rect">
+            <a:avLst/>
+          </a:prstGeom>
+          <a:noFill/>
+        </p:spPr>
+        <p:txBody>
+          <a:bodyPr vert="horz" wrap="square" lIns="91440" tIns="45720" rIns="91440" bIns="45720" numCol="1" anchor="t" anchorCtr="0" compatLnSpc="1">
+            <a:prstTxWarp prst="textNoShape">
+              <a:avLst/>
+            </a:prstTxWarp>
+          </a:bodyPr>
+          <a:lstStyle/>
+          <a:p>
+            <a:endParaRPr lang="en-US"/>
+          </a:p>
+        </p:txBody>
+      </p:sp>
+      <p:sp>
+        <p:nvSpPr>
+          <p:cNvPr id="6" name="AutoShape 4" descr="File:NumPy logo 2020.svg - Wikimedia Commons"/>
+          <p:cNvSpPr>
+            <a:spLocks noChangeAspect="1" noChangeArrowheads="1"/>
+          </p:cNvSpPr>
+          <p:nvPr/>
+        </p:nvSpPr>
+        <p:spPr bwMode="auto">
+          <a:xfrm>
+            <a:off x="155575" y="-144463"/>
+            <a:ext cx="304800" cy="304801"/>
+          </a:xfrm>
+          <a:prstGeom prst="rect">
+            <a:avLst/>
+          </a:prstGeom>
+          <a:noFill/>
+        </p:spPr>
+        <p:txBody>
+          <a:bodyPr vert="horz" wrap="square" lIns="91440" tIns="45720" rIns="91440" bIns="45720" numCol="1" anchor="t" anchorCtr="0" compatLnSpc="1">
+            <a:prstTxWarp prst="textNoShape">
+              <a:avLst/>
+            </a:prstTxWarp>
+          </a:bodyPr>
+          <a:lstStyle/>
+          <a:p>
+            <a:endParaRPr lang="en-US"/>
+          </a:p>
+        </p:txBody>
+      </p:sp>
+      <p:pic>
+        <p:nvPicPr>
+          <p:cNvPr id="11" name="Picture 6" descr="File:NumPy logo 2020.svg - Wikimedia Commons"/>
+          <p:cNvPicPr>
+            <a:picLocks noChangeAspect="1" noChangeArrowheads="1"/>
+          </p:cNvPicPr>
+          <p:nvPr/>
+        </p:nvPicPr>
+        <p:blipFill>
+          <a:blip r:embed="rId8" cstate="print"/>
+          <a:srcRect/>
+          <a:stretch>
+            <a:fillRect/>
+          </a:stretch>
+        </p:blipFill>
+        <p:spPr bwMode="auto">
+          <a:xfrm>
+            <a:off x="8316416" y="2530512"/>
+            <a:ext cx="720080" cy="322424"/>
+          </a:xfrm>
+          <a:prstGeom prst="rect">
+            <a:avLst/>
+          </a:prstGeom>
+          <a:noFill/>
+        </p:spPr>
+      </p:pic>
+      <p:pic>
+        <p:nvPicPr>
+          <p:cNvPr id="12" name="Picture 8" descr="File:Pandas logo.svg - Wikimedia Commons"/>
+          <p:cNvPicPr>
+            <a:picLocks noChangeAspect="1" noChangeArrowheads="1"/>
+          </p:cNvPicPr>
+          <p:nvPr/>
+        </p:nvPicPr>
+        <p:blipFill>
+          <a:blip r:embed="rId9" cstate="print"/>
+          <a:srcRect/>
+          <a:stretch>
+            <a:fillRect/>
+          </a:stretch>
+        </p:blipFill>
+        <p:spPr bwMode="auto">
+          <a:xfrm>
+            <a:off x="8316416" y="2921272"/>
+            <a:ext cx="720080" cy="291704"/>
+          </a:xfrm>
+          <a:prstGeom prst="rect">
+            <a:avLst/>
+          </a:prstGeom>
+          <a:noFill/>
+        </p:spPr>
+      </p:pic>
+    </p:spTree>
+  </p:cSld>
+  <p:clrMapOvr>
+    <a:masterClrMapping/>
+  </p:clrMapOvr>
+  <p:timing>
+    <p:tnLst>
+      <p:par>
+        <p:cTn id="1" dur="indefinite" restart="never" nodeType="tmRoot"/>
+      </p:par>
+    </p:tnLst>
+  </p:timing>
+</p:sld>
+</file>
+
+<file path=ppt/slides/slide5.xml><?xml version="1.0" encoding="utf-8"?>
+<p:sld xmlns:a="http://schemas.openxmlformats.org/drawingml/2006/main" xmlns:r="http://schemas.openxmlformats.org/officeDocument/2006/relationships" xmlns:p="http://schemas.openxmlformats.org/presentationml/2006/main">
+  <p:cSld>
+    <p:spTree>
+      <p:nvGrpSpPr>
+        <p:cNvPr id="1" name=""/>
+        <p:cNvGrpSpPr/>
+        <p:nvPr/>
+      </p:nvGrpSpPr>
+      <p:grpSpPr>
+        <a:xfrm>
+          <a:off x="0" y="0"/>
+          <a:ext cx="0" cy="0"/>
+          <a:chOff x="0" y="0"/>
+          <a:chExt cx="0" cy="0"/>
+        </a:xfrm>
+      </p:grpSpPr>
+      <p:sp>
+        <p:nvSpPr>
+          <p:cNvPr id="2" name="Title 1"/>
+          <p:cNvSpPr>
+            <a:spLocks noGrp="1"/>
+          </p:cNvSpPr>
+          <p:nvPr>
+            <p:ph type="title"/>
+          </p:nvPr>
+        </p:nvSpPr>
+        <p:spPr/>
+        <p:txBody>
+          <a:bodyPr/>
+          <a:lstStyle/>
+          <a:p>
+            <a:r>
+              <a:rPr lang="en-US" dirty="0" smtClean="0"/>
+              <a:t>Flow</a:t>
+            </a:r>
+            <a:endParaRPr lang="en-US" dirty="0"/>
+          </a:p>
+        </p:txBody>
+      </p:sp>
+      <p:pic>
+        <p:nvPicPr>
+          <p:cNvPr id="5" name="Picture 4" descr="hackathon-logo-CrEe6TN6.png"/>
+          <p:cNvPicPr>
+            <a:picLocks noChangeAspect="1"/>
+          </p:cNvPicPr>
+          <p:nvPr/>
+        </p:nvPicPr>
+        <p:blipFill>
+          <a:blip r:embed="rId2" cstate="print"/>
+          <a:stretch>
+            <a:fillRect/>
+          </a:stretch>
+        </p:blipFill>
+        <p:spPr>
+          <a:xfrm>
+            <a:off x="7200000" y="5940001"/>
+            <a:ext cx="1800000" cy="745421"/>
+          </a:xfrm>
+          <a:prstGeom prst="rect">
+            <a:avLst/>
+          </a:prstGeom>
+        </p:spPr>
+      </p:pic>
+      <p:pic>
+        <p:nvPicPr>
+          <p:cNvPr id="1026" name="Picture 2"/>
+          <p:cNvPicPr>
+            <a:picLocks noChangeAspect="1" noChangeArrowheads="1"/>
+          </p:cNvPicPr>
+          <p:nvPr/>
+        </p:nvPicPr>
+        <p:blipFill>
+          <a:blip r:embed="rId3" cstate="print"/>
+          <a:srcRect/>
+          <a:stretch>
+            <a:fillRect/>
+          </a:stretch>
+        </p:blipFill>
+        <p:spPr bwMode="auto">
+          <a:xfrm>
+            <a:off x="1115616" y="1196752"/>
+            <a:ext cx="7848872" cy="4896544"/>
+          </a:xfrm>
+          <a:prstGeom prst="rect">
+            <a:avLst/>
+          </a:prstGeom>
+          <a:noFill/>
+          <a:ln w="9525">
+            <a:noFill/>
+            <a:miter lim="800000"/>
+            <a:headEnd/>
+            <a:tailEnd/>
+          </a:ln>
+          <a:effectLst/>
+        </p:spPr>
+      </p:pic>
+    </p:spTree>
+  </p:cSld>
+  <p:clrMapOvr>
+    <a:masterClrMapping/>
+  </p:clrMapOvr>
+  <p:timing>
+    <p:tnLst>
+      <p:par>
+        <p:cTn id="1" dur="indefinite" restart="never" nodeType="tmRoot"/>
+      </p:par>
+    </p:tnLst>
+  </p:timing>
+</p:sld>
+</file>
+
+<file path=ppt/slides/slide6.xml><?xml version="1.0" encoding="utf-8"?>
+<p:sld xmlns:a="http://schemas.openxmlformats.org/drawingml/2006/main" xmlns:r="http://schemas.openxmlformats.org/officeDocument/2006/relationships" xmlns:p="http://schemas.openxmlformats.org/presentationml/2006/main">
+  <p:cSld>
+    <p:spTree>
+      <p:nvGrpSpPr>
+        <p:cNvPr id="1" name=""/>
+        <p:cNvGrpSpPr/>
+        <p:nvPr/>
+      </p:nvGrpSpPr>
+      <p:grpSpPr>
+        <a:xfrm>
+          <a:off x="0" y="0"/>
+          <a:ext cx="0" cy="0"/>
+          <a:chOff x="0" y="0"/>
+          <a:chExt cx="0" cy="0"/>
+        </a:xfrm>
+      </p:grpSpPr>
+      <p:sp>
+        <p:nvSpPr>
+          <p:cNvPr id="16" name="Title 15"/>
+          <p:cNvSpPr>
+            <a:spLocks noGrp="1"/>
+          </p:cNvSpPr>
+          <p:nvPr>
+            <p:ph type="title"/>
+          </p:nvPr>
+        </p:nvSpPr>
+        <p:spPr>
+          <a:xfrm>
+            <a:off x="1435608" y="-99392"/>
+            <a:ext cx="7498080" cy="1143000"/>
+          </a:xfrm>
+        </p:spPr>
+        <p:txBody>
+          <a:bodyPr/>
+          <a:lstStyle/>
+          <a:p>
+            <a:r>
+              <a:rPr lang="en-US" dirty="0" smtClean="0"/>
+              <a:t>		</a:t>
+            </a:r>
+            <a:r>
+              <a:rPr lang="en-US" dirty="0" err="1" smtClean="0"/>
+              <a:t>WireFrame</a:t>
+            </a:r>
+            <a:endParaRPr lang="en-US" dirty="0"/>
+          </a:p>
+        </p:txBody>
+      </p:sp>
+      <p:pic>
+        <p:nvPicPr>
+          <p:cNvPr id="1026" name="Picture 2"/>
+          <p:cNvPicPr>
+            <a:picLocks noChangeAspect="1" noChangeArrowheads="1"/>
+          </p:cNvPicPr>
+          <p:nvPr/>
+        </p:nvPicPr>
+        <p:blipFill>
+          <a:blip r:embed="rId2" cstate="print"/>
+          <a:srcRect/>
+          <a:stretch>
+            <a:fillRect/>
+          </a:stretch>
+        </p:blipFill>
+        <p:spPr bwMode="auto">
+          <a:xfrm>
+            <a:off x="107504" y="980728"/>
+            <a:ext cx="4464496" cy="2232248"/>
+          </a:xfrm>
+          <a:prstGeom prst="rect">
+            <a:avLst/>
+          </a:prstGeom>
+          <a:noFill/>
+          <a:ln w="9525">
+            <a:noFill/>
+            <a:miter lim="800000"/>
+            <a:headEnd/>
+            <a:tailEnd/>
+          </a:ln>
+        </p:spPr>
+      </p:pic>
+      <p:pic>
+        <p:nvPicPr>
+          <p:cNvPr id="1027" name="Picture 3"/>
+          <p:cNvPicPr>
+            <a:picLocks noChangeAspect="1" noChangeArrowheads="1"/>
+          </p:cNvPicPr>
+          <p:nvPr/>
+        </p:nvPicPr>
+        <p:blipFill>
+          <a:blip r:embed="rId3" cstate="print"/>
+          <a:srcRect/>
+          <a:stretch>
+            <a:fillRect/>
+          </a:stretch>
+        </p:blipFill>
+        <p:spPr bwMode="auto">
+          <a:xfrm>
+            <a:off x="4644008" y="980728"/>
+            <a:ext cx="4464496" cy="2232248"/>
+          </a:xfrm>
+          <a:prstGeom prst="rect">
+            <a:avLst/>
+          </a:prstGeom>
+          <a:noFill/>
+          <a:ln w="9525">
+            <a:noFill/>
+            <a:miter lim="800000"/>
+            <a:headEnd/>
+            <a:tailEnd/>
+          </a:ln>
+        </p:spPr>
+      </p:pic>
+      <p:pic>
+        <p:nvPicPr>
+          <p:cNvPr id="1028" name="Picture 4"/>
+          <p:cNvPicPr>
+            <a:picLocks noChangeAspect="1" noChangeArrowheads="1"/>
+          </p:cNvPicPr>
+          <p:nvPr/>
+        </p:nvPicPr>
+        <p:blipFill>
+          <a:blip r:embed="rId4" cstate="print"/>
+          <a:srcRect/>
+          <a:stretch>
+            <a:fillRect/>
+          </a:stretch>
+        </p:blipFill>
+        <p:spPr bwMode="auto">
+          <a:xfrm>
+            <a:off x="107504" y="3717032"/>
+            <a:ext cx="4464496" cy="2304256"/>
+          </a:xfrm>
+          <a:prstGeom prst="rect">
+            <a:avLst/>
+          </a:prstGeom>
+          <a:noFill/>
+          <a:ln w="9525">
+            <a:noFill/>
+            <a:miter lim="800000"/>
+            <a:headEnd/>
+            <a:tailEnd/>
+          </a:ln>
+        </p:spPr>
+      </p:pic>
+      <p:pic>
+        <p:nvPicPr>
+          <p:cNvPr id="1029" name="Picture 5"/>
+          <p:cNvPicPr>
+            <a:picLocks noChangeAspect="1" noChangeArrowheads="1"/>
+          </p:cNvPicPr>
+          <p:nvPr/>
+        </p:nvPicPr>
+        <p:blipFill>
+          <a:blip r:embed="rId5" cstate="print"/>
+          <a:srcRect/>
+          <a:stretch>
+            <a:fillRect/>
+          </a:stretch>
+        </p:blipFill>
+        <p:spPr bwMode="auto">
+          <a:xfrm>
+            <a:off x="4644008" y="3717032"/>
+            <a:ext cx="4427984" cy="2304256"/>
+          </a:xfrm>
+          <a:prstGeom prst="rect">
+            <a:avLst/>
+          </a:prstGeom>
+          <a:noFill/>
+          <a:ln w="9525">
+            <a:noFill/>
+            <a:miter lim="800000"/>
+            <a:headEnd/>
+            <a:tailEnd/>
+          </a:ln>
+        </p:spPr>
+      </p:pic>
+      <p:sp>
+        <p:nvSpPr>
+          <p:cNvPr id="10" name="TextBox 9"/>
+          <p:cNvSpPr txBox="1"/>
+          <p:nvPr/>
+        </p:nvSpPr>
+        <p:spPr>
+          <a:xfrm>
+            <a:off x="1259632" y="3212976"/>
+            <a:ext cx="1872208" cy="369332"/>
+          </a:xfrm>
+          <a:prstGeom prst="rect">
+            <a:avLst/>
+          </a:prstGeom>
+          <a:noFill/>
         </p:spPr>
         <p:txBody>
           <a:bodyPr wrap="square" rtlCol="0">
@@ -4885,69 +6819,442 @@
           </a:bodyPr>
           <a:lstStyle/>
           <a:p>
-            <a:r>
-              <a:rPr lang="en-US" sz="1600" dirty="0" smtClean="0"/>
-              <a:t>Commercial Model:</a:t>
-            </a:r>
-          </a:p>
-          <a:p>
-            <a:pPr>
-              <a:buFont typeface="Wingdings" pitchFamily="2" charset="2"/>
-              <a:buChar char="q"/>
-            </a:pPr>
-            <a:r>
-              <a:rPr lang="en-US" sz="1600" dirty="0" smtClean="0"/>
-              <a:t> Advertisement</a:t>
-            </a:r>
-          </a:p>
-          <a:p>
-            <a:pPr>
-              <a:buFont typeface="Wingdings" pitchFamily="2" charset="2"/>
-              <a:buChar char="q"/>
-            </a:pPr>
-            <a:r>
-              <a:rPr lang="en-US" sz="1600" dirty="0" smtClean="0"/>
-              <a:t>Collaborations with security vendors</a:t>
-            </a:r>
-          </a:p>
-          <a:p>
-            <a:pPr>
-              <a:buFont typeface="Wingdings" pitchFamily="2" charset="2"/>
-              <a:buChar char="q"/>
-            </a:pPr>
-            <a:r>
-              <a:rPr lang="en-US" sz="1600" dirty="0" smtClean="0"/>
-              <a:t>Promotions (via </a:t>
-            </a:r>
-            <a:r>
-              <a:rPr lang="en-US" sz="1600" dirty="0" err="1" smtClean="0"/>
-              <a:t>Cybersecurity</a:t>
-            </a:r>
-            <a:r>
-              <a:rPr lang="en-US" sz="1600" dirty="0" smtClean="0"/>
-              <a:t> campaigns)</a:t>
-            </a:r>
-          </a:p>
-          <a:p>
-            <a:pPr>
-              <a:buFont typeface="Wingdings" pitchFamily="2" charset="2"/>
-              <a:buChar char="q"/>
-            </a:pPr>
-            <a:r>
-              <a:rPr lang="en-US" sz="1600" dirty="0" smtClean="0"/>
-              <a:t>Subscription plans for premium features</a:t>
-            </a:r>
-          </a:p>
-          <a:p>
-            <a:pPr>
-              <a:buFont typeface="Wingdings" pitchFamily="2" charset="2"/>
-              <a:buChar char="q"/>
-            </a:pPr>
-            <a:r>
-              <a:rPr lang="en-US" sz="1600" dirty="0" smtClean="0"/>
-              <a:t>API monetization for third party integrations</a:t>
-            </a:r>
-            <a:endParaRPr lang="en-US" sz="1600" dirty="0"/>
+            <a:pPr algn="ctr"/>
+            <a:r>
+              <a:rPr lang="en-IN" dirty="0" smtClean="0"/>
+              <a:t>Fig: Dashboard </a:t>
+            </a:r>
+            <a:endParaRPr lang="en-US" dirty="0"/>
+          </a:p>
+        </p:txBody>
+      </p:sp>
+      <p:sp>
+        <p:nvSpPr>
+          <p:cNvPr id="12" name="TextBox 11"/>
+          <p:cNvSpPr txBox="1"/>
+          <p:nvPr/>
+        </p:nvSpPr>
+        <p:spPr>
+          <a:xfrm>
+            <a:off x="5578742" y="3212976"/>
+            <a:ext cx="2665666" cy="369332"/>
+          </a:xfrm>
+          <a:prstGeom prst="rect">
+            <a:avLst/>
+          </a:prstGeom>
+          <a:noFill/>
+        </p:spPr>
+        <p:txBody>
+          <a:bodyPr wrap="none" rtlCol="0">
+            <a:spAutoFit/>
+          </a:bodyPr>
+          <a:lstStyle/>
+          <a:p>
+            <a:pPr algn="ctr"/>
+            <a:r>
+              <a:rPr lang="en-IN" dirty="0" smtClean="0"/>
+              <a:t>Fig: Built-in Threat Scanner</a:t>
+            </a:r>
+            <a:endParaRPr lang="en-US" dirty="0"/>
+          </a:p>
+        </p:txBody>
+      </p:sp>
+      <p:sp>
+        <p:nvSpPr>
+          <p:cNvPr id="13" name="TextBox 12"/>
+          <p:cNvSpPr txBox="1"/>
+          <p:nvPr/>
+        </p:nvSpPr>
+        <p:spPr>
+          <a:xfrm>
+            <a:off x="1403648" y="6021288"/>
+            <a:ext cx="1779974" cy="369332"/>
+          </a:xfrm>
+          <a:prstGeom prst="rect">
+            <a:avLst/>
+          </a:prstGeom>
+          <a:noFill/>
+        </p:spPr>
+        <p:txBody>
+          <a:bodyPr wrap="none" rtlCol="0">
+            <a:spAutoFit/>
+          </a:bodyPr>
+          <a:lstStyle/>
+          <a:p>
+            <a:r>
+              <a:rPr lang="en-IN" dirty="0" smtClean="0"/>
+              <a:t>Fig:  Activity Logs</a:t>
+            </a:r>
+            <a:endParaRPr lang="en-US" dirty="0"/>
+          </a:p>
+        </p:txBody>
+      </p:sp>
+      <p:sp>
+        <p:nvSpPr>
+          <p:cNvPr id="14" name="TextBox 13"/>
+          <p:cNvSpPr txBox="1"/>
+          <p:nvPr/>
+        </p:nvSpPr>
+        <p:spPr>
+          <a:xfrm>
+            <a:off x="5534305" y="6021288"/>
+            <a:ext cx="2566087" cy="369332"/>
+          </a:xfrm>
+          <a:prstGeom prst="rect">
+            <a:avLst/>
+          </a:prstGeom>
+          <a:noFill/>
+        </p:spPr>
+        <p:txBody>
+          <a:bodyPr wrap="none" rtlCol="0">
+            <a:spAutoFit/>
+          </a:bodyPr>
+          <a:lstStyle/>
+          <a:p>
+            <a:r>
+              <a:rPr lang="en-IN" dirty="0" smtClean="0"/>
+              <a:t>Fig:  User accessible tools</a:t>
+            </a:r>
+            <a:endParaRPr lang="en-US" dirty="0"/>
+          </a:p>
+        </p:txBody>
+      </p:sp>
+      <p:pic>
+        <p:nvPicPr>
+          <p:cNvPr id="15" name="Picture 14" descr="hackathon-logo-CrEe6TN6.png"/>
+          <p:cNvPicPr>
+            <a:picLocks noChangeAspect="1"/>
+          </p:cNvPicPr>
+          <p:nvPr/>
+        </p:nvPicPr>
+        <p:blipFill>
+          <a:blip r:embed="rId6" cstate="print"/>
+          <a:stretch>
+            <a:fillRect/>
+          </a:stretch>
+        </p:blipFill>
+        <p:spPr>
+          <a:xfrm>
+            <a:off x="7200000" y="5940001"/>
+            <a:ext cx="1800000" cy="745421"/>
+          </a:xfrm>
+          <a:prstGeom prst="rect">
+            <a:avLst/>
+          </a:prstGeom>
+        </p:spPr>
+      </p:pic>
+    </p:spTree>
+  </p:cSld>
+  <p:clrMapOvr>
+    <a:masterClrMapping/>
+  </p:clrMapOvr>
+  <p:timing>
+    <p:tnLst>
+      <p:par>
+        <p:cTn id="1" dur="indefinite" restart="never" nodeType="tmRoot"/>
+      </p:par>
+    </p:tnLst>
+  </p:timing>
+</p:sld>
+</file>
+
+<file path=ppt/slides/slide7.xml><?xml version="1.0" encoding="utf-8"?>
+<p:sld xmlns:a="http://schemas.openxmlformats.org/drawingml/2006/main" xmlns:r="http://schemas.openxmlformats.org/officeDocument/2006/relationships" xmlns:p="http://schemas.openxmlformats.org/presentationml/2006/main">
+  <p:cSld>
+    <p:spTree>
+      <p:nvGrpSpPr>
+        <p:cNvPr id="1" name=""/>
+        <p:cNvGrpSpPr/>
+        <p:nvPr/>
+      </p:nvGrpSpPr>
+      <p:grpSpPr>
+        <a:xfrm>
+          <a:off x="0" y="0"/>
+          <a:ext cx="0" cy="0"/>
+          <a:chOff x="0" y="0"/>
+          <a:chExt cx="0" cy="0"/>
+        </a:xfrm>
+      </p:grpSpPr>
+      <p:pic>
+        <p:nvPicPr>
+          <p:cNvPr id="4" name="Picture 3" descr="hackathon-logo-CrEe6TN6.png"/>
+          <p:cNvPicPr>
+            <a:picLocks noChangeAspect="1"/>
+          </p:cNvPicPr>
+          <p:nvPr/>
+        </p:nvPicPr>
+        <p:blipFill>
+          <a:blip r:embed="rId2" cstate="print"/>
+          <a:stretch>
+            <a:fillRect/>
+          </a:stretch>
+        </p:blipFill>
+        <p:spPr>
+          <a:xfrm>
+            <a:off x="7200000" y="5940001"/>
+            <a:ext cx="1800000" cy="745421"/>
+          </a:xfrm>
+          <a:prstGeom prst="rect">
+            <a:avLst/>
+          </a:prstGeom>
+        </p:spPr>
+      </p:pic>
+      <p:pic>
+        <p:nvPicPr>
+          <p:cNvPr id="2050" name="Picture 2"/>
+          <p:cNvPicPr>
+            <a:picLocks noChangeAspect="1" noChangeArrowheads="1"/>
+          </p:cNvPicPr>
+          <p:nvPr/>
+        </p:nvPicPr>
+        <p:blipFill>
+          <a:blip r:embed="rId3" cstate="print"/>
+          <a:srcRect/>
+          <a:stretch>
+            <a:fillRect/>
+          </a:stretch>
+        </p:blipFill>
+        <p:spPr bwMode="auto">
+          <a:xfrm>
+            <a:off x="107504" y="404664"/>
+            <a:ext cx="4464496" cy="2376264"/>
+          </a:xfrm>
+          <a:prstGeom prst="rect">
+            <a:avLst/>
+          </a:prstGeom>
+          <a:noFill/>
+          <a:ln w="9525">
+            <a:noFill/>
+            <a:miter lim="800000"/>
+            <a:headEnd/>
+            <a:tailEnd/>
+          </a:ln>
+        </p:spPr>
+      </p:pic>
+      <p:pic>
+        <p:nvPicPr>
+          <p:cNvPr id="2051" name="Picture 3"/>
+          <p:cNvPicPr>
+            <a:picLocks noChangeAspect="1" noChangeArrowheads="1"/>
+          </p:cNvPicPr>
+          <p:nvPr/>
+        </p:nvPicPr>
+        <p:blipFill>
+          <a:blip r:embed="rId4" cstate="print"/>
+          <a:srcRect/>
+          <a:stretch>
+            <a:fillRect/>
+          </a:stretch>
+        </p:blipFill>
+        <p:spPr bwMode="auto">
+          <a:xfrm>
+            <a:off x="4644008" y="404664"/>
+            <a:ext cx="4392488" cy="2345403"/>
+          </a:xfrm>
+          <a:prstGeom prst="rect">
+            <a:avLst/>
+          </a:prstGeom>
+          <a:noFill/>
+          <a:ln w="9525">
+            <a:noFill/>
+            <a:miter lim="800000"/>
+            <a:headEnd/>
+            <a:tailEnd/>
+          </a:ln>
+        </p:spPr>
+      </p:pic>
+      <p:pic>
+        <p:nvPicPr>
+          <p:cNvPr id="2052" name="Picture 4"/>
+          <p:cNvPicPr>
+            <a:picLocks noChangeAspect="1" noChangeArrowheads="1"/>
+          </p:cNvPicPr>
+          <p:nvPr/>
+        </p:nvPicPr>
+        <p:blipFill>
+          <a:blip r:embed="rId5" cstate="print"/>
+          <a:stretch>
+            <a:fillRect/>
+          </a:stretch>
+        </p:blipFill>
+        <p:spPr bwMode="auto">
+          <a:xfrm>
+            <a:off x="107504" y="3429000"/>
+            <a:ext cx="4464496" cy="2376263"/>
+          </a:xfrm>
+          <a:prstGeom prst="rect">
+            <a:avLst/>
+          </a:prstGeom>
+          <a:noFill/>
+          <a:ln w="9525">
+            <a:noFill/>
+            <a:miter lim="800000"/>
+            <a:headEnd/>
+            <a:tailEnd/>
+          </a:ln>
+        </p:spPr>
+      </p:pic>
+      <p:pic>
+        <p:nvPicPr>
+          <p:cNvPr id="2053" name="Picture 5"/>
+          <p:cNvPicPr>
+            <a:picLocks noChangeAspect="1" noChangeArrowheads="1"/>
+          </p:cNvPicPr>
+          <p:nvPr/>
+        </p:nvPicPr>
+        <p:blipFill>
+          <a:blip r:embed="rId6" cstate="print"/>
+          <a:srcRect/>
+          <a:stretch>
+            <a:fillRect/>
+          </a:stretch>
+        </p:blipFill>
+        <p:spPr bwMode="auto">
+          <a:xfrm>
+            <a:off x="4644008" y="3429000"/>
+            <a:ext cx="4392488" cy="2376264"/>
+          </a:xfrm>
+          <a:prstGeom prst="rect">
+            <a:avLst/>
+          </a:prstGeom>
+          <a:noFill/>
+          <a:ln w="9525">
+            <a:noFill/>
+            <a:miter lim="800000"/>
+            <a:headEnd/>
+            <a:tailEnd/>
+          </a:ln>
+        </p:spPr>
+      </p:pic>
+      <p:sp>
+        <p:nvSpPr>
+          <p:cNvPr id="9" name="TextBox 8"/>
+          <p:cNvSpPr txBox="1"/>
+          <p:nvPr/>
+        </p:nvSpPr>
+        <p:spPr>
+          <a:xfrm>
+            <a:off x="1397202" y="2780928"/>
+            <a:ext cx="2022670" cy="369332"/>
+          </a:xfrm>
+          <a:prstGeom prst="rect">
+            <a:avLst/>
+          </a:prstGeom>
+          <a:noFill/>
+        </p:spPr>
+        <p:txBody>
+          <a:bodyPr wrap="none" rtlCol="0">
+            <a:spAutoFit/>
+          </a:bodyPr>
+          <a:lstStyle/>
+          <a:p>
+            <a:r>
+              <a:rPr lang="en-IN" dirty="0" smtClean="0"/>
+              <a:t>Fig:  Advanced Tools</a:t>
+            </a:r>
+            <a:endParaRPr lang="en-US" dirty="0"/>
+          </a:p>
+        </p:txBody>
+      </p:sp>
+      <p:sp>
+        <p:nvSpPr>
+          <p:cNvPr id="10" name="TextBox 9"/>
+          <p:cNvSpPr txBox="1"/>
+          <p:nvPr/>
+        </p:nvSpPr>
+        <p:spPr>
+          <a:xfrm>
+            <a:off x="5850158" y="2708920"/>
+            <a:ext cx="2106218" cy="369332"/>
+          </a:xfrm>
+          <a:prstGeom prst="rect">
+            <a:avLst/>
+          </a:prstGeom>
+          <a:noFill/>
+        </p:spPr>
+        <p:txBody>
+          <a:bodyPr wrap="none" rtlCol="0">
+            <a:spAutoFit/>
+          </a:bodyPr>
+          <a:lstStyle/>
+          <a:p>
+            <a:r>
+              <a:rPr lang="en-IN" dirty="0" smtClean="0"/>
+              <a:t>Fig:  Awareness Quiz</a:t>
+            </a:r>
+            <a:endParaRPr lang="en-US" dirty="0"/>
+          </a:p>
+        </p:txBody>
+      </p:sp>
+      <p:sp>
+        <p:nvSpPr>
+          <p:cNvPr id="11" name="TextBox 10"/>
+          <p:cNvSpPr txBox="1"/>
+          <p:nvPr/>
+        </p:nvSpPr>
+        <p:spPr>
+          <a:xfrm>
+            <a:off x="1403648" y="5795972"/>
+            <a:ext cx="2312813" cy="369332"/>
+          </a:xfrm>
+          <a:prstGeom prst="rect">
+            <a:avLst/>
+          </a:prstGeom>
+          <a:noFill/>
+        </p:spPr>
+        <p:txBody>
+          <a:bodyPr wrap="none" rtlCol="0">
+            <a:spAutoFit/>
+          </a:bodyPr>
+          <a:lstStyle/>
+          <a:p>
+            <a:r>
+              <a:rPr lang="en-IN" dirty="0" smtClean="0"/>
+              <a:t>Fig:  </a:t>
+            </a:r>
+            <a:r>
+              <a:rPr lang="en-IN" dirty="0" err="1" smtClean="0"/>
+              <a:t>Senty</a:t>
+            </a:r>
+            <a:r>
+              <a:rPr lang="en-IN" dirty="0" smtClean="0"/>
+              <a:t> the </a:t>
+            </a:r>
+            <a:r>
+              <a:rPr lang="en-IN" dirty="0" err="1" smtClean="0"/>
+              <a:t>Chatbot</a:t>
+            </a:r>
+            <a:endParaRPr lang="en-IN" dirty="0" smtClean="0"/>
+          </a:p>
+        </p:txBody>
+      </p:sp>
+      <p:sp>
+        <p:nvSpPr>
+          <p:cNvPr id="12" name="TextBox 11"/>
+          <p:cNvSpPr txBox="1"/>
+          <p:nvPr/>
+        </p:nvSpPr>
+        <p:spPr>
+          <a:xfrm>
+            <a:off x="5292080" y="5795972"/>
+            <a:ext cx="3397405" cy="369332"/>
+          </a:xfrm>
+          <a:prstGeom prst="rect">
+            <a:avLst/>
+          </a:prstGeom>
+          <a:noFill/>
+        </p:spPr>
+        <p:txBody>
+          <a:bodyPr wrap="none" rtlCol="0">
+            <a:spAutoFit/>
+          </a:bodyPr>
+          <a:lstStyle/>
+          <a:p>
+            <a:r>
+              <a:rPr lang="en-IN" dirty="0" smtClean="0"/>
+              <a:t>Fig:  Panic Mode (for emergencies)</a:t>
+            </a:r>
+            <a:endParaRPr lang="en-US" dirty="0"/>
           </a:p>
         </p:txBody>
       </p:sp>
@@ -5287,4 +7594,287 @@
   <a:objectDefaults/>
   <a:extraClrSchemeLst/>
 </a:theme>
+</file>
+
+<file path=ppt/theme/theme2.xml><?xml version="1.0" encoding="utf-8"?>
+<a:theme xmlns:a="http://schemas.openxmlformats.org/drawingml/2006/main" name="Office Theme">
+  <a:themeElements>
+    <a:clrScheme name="Office">
+      <a:dk1>
+        <a:sysClr val="windowText" lastClr="000000"/>
+      </a:dk1>
+      <a:lt1>
+        <a:sysClr val="window" lastClr="FFFFFF"/>
+      </a:lt1>
+      <a:dk2>
+        <a:srgbClr val="1F497D"/>
+      </a:dk2>
+      <a:lt2>
+        <a:srgbClr val="EEECE1"/>
+      </a:lt2>
+      <a:accent1>
+        <a:srgbClr val="4F81BD"/>
+      </a:accent1>
+      <a:accent2>
+        <a:srgbClr val="C0504D"/>
+      </a:accent2>
+      <a:accent3>
+        <a:srgbClr val="9BBB59"/>
+      </a:accent3>
+      <a:accent4>
+        <a:srgbClr val="8064A2"/>
+      </a:accent4>
+      <a:accent5>
+        <a:srgbClr val="4BACC6"/>
+      </a:accent5>
+      <a:accent6>
+        <a:srgbClr val="F79646"/>
+      </a:accent6>
+      <a:hlink>
+        <a:srgbClr val="0000FF"/>
+      </a:hlink>
+      <a:folHlink>
+        <a:srgbClr val="800080"/>
+      </a:folHlink>
+    </a:clrScheme>
+    <a:fontScheme name="Office">
+      <a:majorFont>
+        <a:latin typeface="Calibri"/>
+        <a:ea typeface=""/>
+        <a:cs typeface=""/>
+        <a:font script="Jpan" typeface="ＭＳ Ｐゴシック"/>
+        <a:font script="Hang" typeface="맑은 고딕"/>
+        <a:font script="Hans" typeface="宋体"/>
+        <a:font script="Hant" typeface="新細明體"/>
+        <a:font script="Arab" typeface="Times New Roman"/>
+        <a:font script="Hebr" typeface="Times New Roman"/>
+        <a:font script="Thai" typeface="Angsana New"/>
+        <a:font script="Ethi" typeface="Nyala"/>
+        <a:font script="Beng" typeface="Vrinda"/>
+        <a:font script="Gujr" typeface="Shruti"/>
+        <a:font script="Khmr" typeface="MoolBoran"/>
+        <a:font script="Knda" typeface="Tunga"/>
+        <a:font script="Guru" typeface="Raavi"/>
+        <a:font script="Cans" typeface="Euphemia"/>
+        <a:font script="Cher" typeface="Plantagenet Cherokee"/>
+        <a:font script="Yiii" typeface="Microsoft Yi Baiti"/>
+        <a:font script="Tibt" typeface="Microsoft Himalaya"/>
+        <a:font script="Thaa" typeface="MV Boli"/>
+        <a:font script="Deva" typeface="Mangal"/>
+        <a:font script="Telu" typeface="Gautami"/>
+        <a:font script="Taml" typeface="Latha"/>
+        <a:font script="Syrc" typeface="Estrangelo Edessa"/>
+        <a:font script="Orya" typeface="Kalinga"/>
+        <a:font script="Mlym" typeface="Kartika"/>
+        <a:font script="Laoo" typeface="DokChampa"/>
+        <a:font script="Sinh" typeface="Iskoola Pota"/>
+        <a:font script="Mong" typeface="Mongolian Baiti"/>
+        <a:font script="Viet" typeface="Times New Roman"/>
+        <a:font script="Uigh" typeface="Microsoft Uighur"/>
+      </a:majorFont>
+      <a:minorFont>
+        <a:latin typeface="Calibri"/>
+        <a:ea typeface=""/>
+        <a:cs typeface=""/>
+        <a:font script="Jpan" typeface="ＭＳ Ｐゴシック"/>
+        <a:font script="Hang" typeface="맑은 고딕"/>
+        <a:font script="Hans" typeface="宋体"/>
+        <a:font script="Hant" typeface="新細明體"/>
+        <a:font script="Arab" typeface="Arial"/>
+        <a:font script="Hebr" typeface="Arial"/>
+        <a:font script="Thai" typeface="Cordia New"/>
+        <a:font script="Ethi" typeface="Nyala"/>
+        <a:font script="Beng" typeface="Vrinda"/>
+        <a:font script="Gujr" typeface="Shruti"/>
+        <a:font script="Khmr" typeface="DaunPenh"/>
+        <a:font script="Knda" typeface="Tunga"/>
+        <a:font script="Guru" typeface="Raavi"/>
+        <a:font script="Cans" typeface="Euphemia"/>
+        <a:font script="Cher" typeface="Plantagenet Cherokee"/>
+        <a:font script="Yiii" typeface="Microsoft Yi Baiti"/>
+        <a:font script="Tibt" typeface="Microsoft Himalaya"/>
+        <a:font script="Thaa" typeface="MV Boli"/>
+        <a:font script="Deva" typeface="Mangal"/>
+        <a:font script="Telu" typeface="Gautami"/>
+        <a:font script="Taml" typeface="Latha"/>
+        <a:font script="Syrc" typeface="Estrangelo Edessa"/>
+        <a:font script="Orya" typeface="Kalinga"/>
+        <a:font script="Mlym" typeface="Kartika"/>
+        <a:font script="Laoo" typeface="DokChampa"/>
+        <a:font script="Sinh" typeface="Iskoola Pota"/>
+        <a:font script="Mong" typeface="Mongolian Baiti"/>
+        <a:font script="Viet" typeface="Arial"/>
+        <a:font script="Uigh" typeface="Microsoft Uighur"/>
+      </a:minorFont>
+    </a:fontScheme>
+    <a:fmtScheme name="Office">
+      <a:fillStyleLst>
+        <a:solidFill>
+          <a:schemeClr val="phClr"/>
+        </a:solidFill>
+        <a:gradFill rotWithShape="1">
+          <a:gsLst>
+            <a:gs pos="0">
+              <a:schemeClr val="phClr">
+                <a:tint val="50000"/>
+                <a:satMod val="300000"/>
+              </a:schemeClr>
+            </a:gs>
+            <a:gs pos="35000">
+              <a:schemeClr val="phClr">
+                <a:tint val="37000"/>
+                <a:satMod val="300000"/>
+              </a:schemeClr>
+            </a:gs>
+            <a:gs pos="100000">
+              <a:schemeClr val="phClr">
+                <a:tint val="15000"/>
+                <a:satMod val="350000"/>
+              </a:schemeClr>
+            </a:gs>
+          </a:gsLst>
+          <a:lin ang="16200000" scaled="1"/>
+        </a:gradFill>
+        <a:gradFill rotWithShape="1">
+          <a:gsLst>
+            <a:gs pos="0">
+              <a:schemeClr val="phClr">
+                <a:shade val="51000"/>
+                <a:satMod val="130000"/>
+              </a:schemeClr>
+            </a:gs>
+            <a:gs pos="80000">
+              <a:schemeClr val="phClr">
+                <a:shade val="93000"/>
+                <a:satMod val="130000"/>
+              </a:schemeClr>
+            </a:gs>
+            <a:gs pos="100000">
+              <a:schemeClr val="phClr">
+                <a:shade val="94000"/>
+                <a:satMod val="135000"/>
+              </a:schemeClr>
+            </a:gs>
+          </a:gsLst>
+          <a:lin ang="16200000" scaled="0"/>
+        </a:gradFill>
+      </a:fillStyleLst>
+      <a:lnStyleLst>
+        <a:ln w="9525" cap="flat" cmpd="sng" algn="ctr">
+          <a:solidFill>
+            <a:schemeClr val="phClr">
+              <a:shade val="95000"/>
+              <a:satMod val="105000"/>
+            </a:schemeClr>
+          </a:solidFill>
+          <a:prstDash val="solid"/>
+        </a:ln>
+        <a:ln w="25400" cap="flat" cmpd="sng" algn="ctr">
+          <a:solidFill>
+            <a:schemeClr val="phClr"/>
+          </a:solidFill>
+          <a:prstDash val="solid"/>
+        </a:ln>
+        <a:ln w="38100" cap="flat" cmpd="sng" algn="ctr">
+          <a:solidFill>
+            <a:schemeClr val="phClr"/>
+          </a:solidFill>
+          <a:prstDash val="solid"/>
+        </a:ln>
+      </a:lnStyleLst>
+      <a:effectStyleLst>
+        <a:effectStyle>
+          <a:effectLst>
+            <a:outerShdw blurRad="40000" dist="20000" dir="5400000" rotWithShape="0">
+              <a:srgbClr val="000000">
+                <a:alpha val="38000"/>
+              </a:srgbClr>
+            </a:outerShdw>
+          </a:effectLst>
+        </a:effectStyle>
+        <a:effectStyle>
+          <a:effectLst>
+            <a:outerShdw blurRad="40000" dist="23000" dir="5400000" rotWithShape="0">
+              <a:srgbClr val="000000">
+                <a:alpha val="35000"/>
+              </a:srgbClr>
+            </a:outerShdw>
+          </a:effectLst>
+        </a:effectStyle>
+        <a:effectStyle>
+          <a:effectLst>
+            <a:outerShdw blurRad="40000" dist="23000" dir="5400000" rotWithShape="0">
+              <a:srgbClr val="000000">
+                <a:alpha val="35000"/>
+              </a:srgbClr>
+            </a:outerShdw>
+          </a:effectLst>
+          <a:scene3d>
+            <a:camera prst="orthographicFront">
+              <a:rot lat="0" lon="0" rev="0"/>
+            </a:camera>
+            <a:lightRig rig="threePt" dir="t">
+              <a:rot lat="0" lon="0" rev="1200000"/>
+            </a:lightRig>
+          </a:scene3d>
+          <a:sp3d>
+            <a:bevelT w="63500" h="25400"/>
+          </a:sp3d>
+        </a:effectStyle>
+      </a:effectStyleLst>
+      <a:bgFillStyleLst>
+        <a:solidFill>
+          <a:schemeClr val="phClr"/>
+        </a:solidFill>
+        <a:gradFill rotWithShape="1">
+          <a:gsLst>
+            <a:gs pos="0">
+              <a:schemeClr val="phClr">
+                <a:tint val="40000"/>
+                <a:satMod val="350000"/>
+              </a:schemeClr>
+            </a:gs>
+            <a:gs pos="40000">
+              <a:schemeClr val="phClr">
+                <a:tint val="45000"/>
+                <a:shade val="99000"/>
+                <a:satMod val="350000"/>
+              </a:schemeClr>
+            </a:gs>
+            <a:gs pos="100000">
+              <a:schemeClr val="phClr">
+                <a:shade val="20000"/>
+                <a:satMod val="255000"/>
+              </a:schemeClr>
+            </a:gs>
+          </a:gsLst>
+          <a:path path="circle">
+            <a:fillToRect l="50000" t="-80000" r="50000" b="180000"/>
+          </a:path>
+        </a:gradFill>
+        <a:gradFill rotWithShape="1">
+          <a:gsLst>
+            <a:gs pos="0">
+              <a:schemeClr val="phClr">
+                <a:tint val="80000"/>
+                <a:satMod val="300000"/>
+              </a:schemeClr>
+            </a:gs>
+            <a:gs pos="100000">
+              <a:schemeClr val="phClr">
+                <a:shade val="30000"/>
+                <a:satMod val="200000"/>
+              </a:schemeClr>
+            </a:gs>
+          </a:gsLst>
+          <a:path path="circle">
+            <a:fillToRect l="50000" t="50000" r="50000" b="50000"/>
+          </a:path>
+        </a:gradFill>
+      </a:bgFillStyleLst>
+    </a:fmtScheme>
+  </a:themeElements>
+  <a:objectDefaults/>
+  <a:extraClrSchemeLst/>
+</a:theme>
 </file>